--- a/Office Docs/3 String Variables.pptx
+++ b/Office Docs/3 String Variables.pptx
@@ -17,8 +17,8 @@
     <p:sldId id="348" r:id="rId8"/>
     <p:sldId id="262" r:id="rId9"/>
     <p:sldId id="363" r:id="rId10"/>
-    <p:sldId id="355" r:id="rId11"/>
-    <p:sldId id="356" r:id="rId12"/>
+    <p:sldId id="356" r:id="rId11"/>
+    <p:sldId id="355" r:id="rId12"/>
     <p:sldId id="351" r:id="rId13"/>
     <p:sldId id="352" r:id="rId14"/>
     <p:sldId id="364" r:id="rId15"/>
@@ -149,8 +149,8 @@
             <p14:sldId id="348"/>
             <p14:sldId id="262"/>
             <p14:sldId id="363"/>
+            <p14:sldId id="356"/>
             <p14:sldId id="355"/>
-            <p14:sldId id="356"/>
             <p14:sldId id="351"/>
             <p14:sldId id="352"/>
             <p14:sldId id="364"/>
@@ -268,7 +268,7 @@
           <a:p>
             <a:fld id="{A9DDBD42-E139-45FA-9C16-1611187CAC3F}" type="datetimeFigureOut">
               <a:rPr lang="en-US" smtClean="0"/>
-              <a:t>9/18/2014</a:t>
+              <a:t>9/22/2014</a:t>
             </a:fld>
             <a:endParaRPr lang="en-US"/>
           </a:p>
@@ -694,7 +694,7 @@
     </p:spTree>
     <p:extLst>
       <p:ext uri="{BB962C8B-B14F-4D97-AF65-F5344CB8AC3E}">
-        <p14:creationId xmlns:p14="http://schemas.microsoft.com/office/powerpoint/2010/main" val="3597242380"/>
+        <p14:creationId xmlns:p14="http://schemas.microsoft.com/office/powerpoint/2010/main" val="4278607302"/>
       </p:ext>
     </p:extLst>
   </p:cSld>
@@ -778,7 +778,7 @@
     </p:spTree>
     <p:extLst>
       <p:ext uri="{BB962C8B-B14F-4D97-AF65-F5344CB8AC3E}">
-        <p14:creationId xmlns:p14="http://schemas.microsoft.com/office/powerpoint/2010/main" val="4278607302"/>
+        <p14:creationId xmlns:p14="http://schemas.microsoft.com/office/powerpoint/2010/main" val="3597242380"/>
       </p:ext>
     </p:extLst>
   </p:cSld>
@@ -1021,7 +1021,7 @@
           <a:p>
             <a:fld id="{906AB01E-7BD7-442B-8A6B-D31FAFDAE830}" type="slidenum">
               <a:rPr lang="en-US" smtClean="0"/>
-              <a:t>‹#›</a:t>
+              <a:t>14</a:t>
             </a:fld>
             <a:endParaRPr lang="en-US"/>
           </a:p>
@@ -1273,7 +1273,7 @@
           <a:p>
             <a:fld id="{906AB01E-7BD7-442B-8A6B-D31FAFDAE830}" type="slidenum">
               <a:rPr lang="en-US" smtClean="0"/>
-              <a:t>‹#›</a:t>
+              <a:t>17</a:t>
             </a:fld>
             <a:endParaRPr lang="en-US"/>
           </a:p>
@@ -1861,7 +1861,7 @@
           <a:p>
             <a:fld id="{906AB01E-7BD7-442B-8A6B-D31FAFDAE830}" type="slidenum">
               <a:rPr lang="en-US" smtClean="0"/>
-              <a:t>‹#›</a:t>
+              <a:t>23</a:t>
             </a:fld>
             <a:endParaRPr lang="en-US"/>
           </a:p>
@@ -2365,7 +2365,7 @@
           <a:p>
             <a:fld id="{906AB01E-7BD7-442B-8A6B-D31FAFDAE830}" type="slidenum">
               <a:rPr lang="en-US" smtClean="0"/>
-              <a:t>‹#›</a:t>
+              <a:t>29</a:t>
             </a:fld>
             <a:endParaRPr lang="en-US"/>
           </a:p>
@@ -2533,7 +2533,7 @@
           <a:p>
             <a:fld id="{906AB01E-7BD7-442B-8A6B-D31FAFDAE830}" type="slidenum">
               <a:rPr lang="en-US" smtClean="0"/>
-              <a:t>‹#›</a:t>
+              <a:t>4</a:t>
             </a:fld>
             <a:endParaRPr lang="en-US"/>
           </a:p>
@@ -2953,7 +2953,7 @@
           <a:p>
             <a:fld id="{906AB01E-7BD7-442B-8A6B-D31FAFDAE830}" type="slidenum">
               <a:rPr lang="en-US" smtClean="0"/>
-              <a:t>‹#›</a:t>
+              <a:t>9</a:t>
             </a:fld>
             <a:endParaRPr lang="en-US"/>
           </a:p>
@@ -5681,14 +5681,12 @@
         </p:nvSpPr>
         <p:spPr/>
         <p:txBody>
-          <a:bodyPr>
-            <a:normAutofit fontScale="90000"/>
-          </a:bodyPr>
+          <a:bodyPr/>
           <a:lstStyle/>
           <a:p>
             <a:r>
               <a:rPr lang="en-CA" dirty="0" smtClean="0"/>
-              <a:t>Which of the following do you think would be good names for variables?</a:t>
+              <a:t>Variable names</a:t>
             </a:r>
             <a:endParaRPr lang="en-US" dirty="0"/>
           </a:p>
@@ -5711,175 +5709,81 @@
           <a:p>
             <a:r>
               <a:rPr lang="en-CA" dirty="0" smtClean="0"/>
-              <a:t>Variable1</a:t>
-            </a:r>
-          </a:p>
-          <a:p>
+              <a:t>Rules</a:t>
+            </a:r>
+          </a:p>
+          <a:p>
+            <a:pPr lvl="1"/>
             <a:r>
               <a:rPr lang="en-CA" dirty="0" smtClean="0"/>
-              <a:t>First Name</a:t>
-            </a:r>
-          </a:p>
-          <a:p>
+              <a:t>Can </a:t>
+            </a:r>
+            <a:r>
+              <a:rPr lang="en-CA" dirty="0"/>
+              <a:t>not contain </a:t>
+            </a:r>
             <a:r>
               <a:rPr lang="en-CA" dirty="0" smtClean="0"/>
-              <a:t>Date</a:t>
-            </a:r>
-          </a:p>
-          <a:p>
+              <a:t>spaces</a:t>
+            </a:r>
+          </a:p>
+          <a:p>
+            <a:pPr lvl="1"/>
+            <a:r>
+              <a:rPr lang="en-CA" dirty="0"/>
+              <a:t>Are case </a:t>
+            </a:r>
             <a:r>
               <a:rPr lang="en-CA" dirty="0" smtClean="0"/>
-              <a:t>3Name</a:t>
-            </a:r>
-          </a:p>
-          <a:p>
+              <a:t>sensitive</a:t>
+            </a:r>
+          </a:p>
+          <a:p>
+            <a:pPr lvl="2"/>
+            <a:r>
+              <a:rPr lang="en-CA" dirty="0" err="1" smtClean="0"/>
+              <a:t>firstName</a:t>
+            </a:r>
             <a:r>
               <a:rPr lang="en-CA" dirty="0" smtClean="0"/>
-              <a:t>DOB</a:t>
-            </a:r>
-          </a:p>
-          <a:p>
+              <a:t> and </a:t>
+            </a:r>
             <a:r>
               <a:rPr lang="en-CA" dirty="0" err="1" smtClean="0"/>
-              <a:t>DateOfBirth</a:t>
-            </a:r>
-            <a:endParaRPr lang="en-CA" dirty="0" smtClean="0"/>
-          </a:p>
-          <a:p>
-            <a:r>
-              <a:rPr lang="en-CA" dirty="0" err="1" smtClean="0"/>
-              <a:t>YourFavoriteSignInTheHoroscope</a:t>
-            </a:r>
-            <a:endParaRPr lang="en-CA" dirty="0" smtClean="0"/>
-          </a:p>
-          <a:p>
-            <a:pPr marL="0" indent="0">
-              <a:buNone/>
-            </a:pPr>
-            <a:endParaRPr lang="en-CA" dirty="0" smtClean="0"/>
-          </a:p>
-        </p:txBody>
-      </p:sp>
-    </p:spTree>
-    <p:extLst>
-      <p:ext uri="{BB962C8B-B14F-4D97-AF65-F5344CB8AC3E}">
-        <p14:creationId xmlns:p14="http://schemas.microsoft.com/office/powerpoint/2010/main" val="1527055214"/>
-      </p:ext>
-    </p:extLst>
-  </p:cSld>
-  <p:clrMapOvr>
-    <a:masterClrMapping/>
-  </p:clrMapOvr>
-  <p:timing>
-    <p:tnLst>
-      <p:par>
-        <p:cTn id="1" dur="indefinite" restart="never" nodeType="tmRoot"/>
-      </p:par>
-    </p:tnLst>
-  </p:timing>
-</p:sld>
-</file>
-
-<file path=ppt/slides/slide11.xml><?xml version="1.0" encoding="utf-8"?>
-<p:sld xmlns:a="http://schemas.openxmlformats.org/drawingml/2006/main" xmlns:r="http://schemas.openxmlformats.org/officeDocument/2006/relationships" xmlns:p="http://schemas.openxmlformats.org/presentationml/2006/main">
-  <p:cSld>
-    <p:spTree>
-      <p:nvGrpSpPr>
-        <p:cNvPr id="1" name=""/>
-        <p:cNvGrpSpPr/>
-        <p:nvPr/>
-      </p:nvGrpSpPr>
-      <p:grpSpPr>
-        <a:xfrm>
-          <a:off x="0" y="0"/>
-          <a:ext cx="0" cy="0"/>
-          <a:chOff x="0" y="0"/>
-          <a:chExt cx="0" cy="0"/>
-        </a:xfrm>
-      </p:grpSpPr>
-      <p:sp>
-        <p:nvSpPr>
-          <p:cNvPr id="2" name="Title 1"/>
-          <p:cNvSpPr>
-            <a:spLocks noGrp="1"/>
-          </p:cNvSpPr>
-          <p:nvPr>
-            <p:ph type="title"/>
-          </p:nvPr>
-        </p:nvSpPr>
-        <p:spPr/>
-        <p:txBody>
-          <a:bodyPr/>
-          <a:lstStyle/>
-          <a:p>
+              <a:t>firstname</a:t>
+            </a:r>
             <a:r>
               <a:rPr lang="en-CA" dirty="0" smtClean="0"/>
-              <a:t>Variable names</a:t>
-            </a:r>
-            <a:endParaRPr lang="en-US" dirty="0"/>
-          </a:p>
-        </p:txBody>
-      </p:sp>
-      <p:sp>
-        <p:nvSpPr>
-          <p:cNvPr id="3" name="Content Placeholder 2"/>
-          <p:cNvSpPr>
-            <a:spLocks noGrp="1"/>
-          </p:cNvSpPr>
-          <p:nvPr>
-            <p:ph sz="quarter" idx="10"/>
-          </p:nvPr>
-        </p:nvSpPr>
-        <p:spPr/>
-        <p:txBody>
-          <a:bodyPr/>
-          <a:lstStyle/>
-          <a:p>
+              <a:t> would be two different variables</a:t>
+            </a:r>
+          </a:p>
+          <a:p>
+            <a:pPr lvl="1"/>
+            <a:r>
+              <a:rPr lang="en-CA" dirty="0" smtClean="0"/>
+              <a:t>Cannot start with a number</a:t>
+            </a:r>
+            <a:endParaRPr lang="en-CA" dirty="0"/>
+          </a:p>
+          <a:p>
+            <a:r>
+              <a:rPr lang="en-CA" dirty="0" smtClean="0"/>
+              <a:t>Guidelines</a:t>
+            </a:r>
+          </a:p>
+          <a:p>
+            <a:pPr lvl="1"/>
             <a:r>
               <a:rPr lang="en-CA" dirty="0"/>
-              <a:t>Should be meaningful (e.g. </a:t>
-            </a:r>
-            <a:r>
-              <a:rPr lang="en-CA" dirty="0" err="1"/>
-              <a:t>firstName</a:t>
+              <a:t>S</a:t>
+            </a:r>
+            <a:r>
+              <a:rPr lang="en-CA" dirty="0" smtClean="0"/>
+              <a:t>hould </a:t>
             </a:r>
             <a:r>
               <a:rPr lang="en-CA" dirty="0"/>
-              <a:t> not variable1)</a:t>
-            </a:r>
-          </a:p>
-          <a:p>
-            <a:r>
-              <a:rPr lang="en-CA" dirty="0"/>
-              <a:t>Should be specific (</a:t>
-            </a:r>
-            <a:r>
-              <a:rPr lang="en-CA" dirty="0" err="1"/>
-              <a:t>birthDate</a:t>
-            </a:r>
-            <a:r>
-              <a:rPr lang="en-CA" dirty="0"/>
-              <a:t> not Date)</a:t>
-            </a:r>
-          </a:p>
-          <a:p>
-            <a:r>
-              <a:rPr lang="en-CA" dirty="0"/>
-              <a:t>Can not contain spaces (</a:t>
-            </a:r>
-            <a:r>
-              <a:rPr lang="en-CA" dirty="0" err="1"/>
-              <a:t>firstName</a:t>
-            </a:r>
-            <a:r>
-              <a:rPr lang="en-CA" dirty="0"/>
-              <a:t> not first Name)</a:t>
-            </a:r>
-          </a:p>
-          <a:p>
-            <a:r>
-              <a:rPr lang="en-CA" dirty="0"/>
-              <a:t>Should be descriptive but not too long (</a:t>
+              <a:t>be descriptive but not too long (</a:t>
             </a:r>
             <a:r>
               <a:rPr lang="en-CA" dirty="0" err="1"/>
@@ -5899,32 +5803,27 @@
             </a:r>
           </a:p>
           <a:p>
-            <a:r>
-              <a:rPr lang="en-CA" dirty="0"/>
-              <a:t>Are case sensitive (</a:t>
-            </a:r>
-            <a:r>
-              <a:rPr lang="en-CA" dirty="0" err="1"/>
-              <a:t>firstName</a:t>
-            </a:r>
-            <a:r>
-              <a:rPr lang="en-CA" dirty="0"/>
-              <a:t> and </a:t>
-            </a:r>
-            <a:r>
-              <a:rPr lang="en-CA" dirty="0" err="1"/>
-              <a:t>firstname</a:t>
-            </a:r>
-            <a:r>
-              <a:rPr lang="en-CA" dirty="0"/>
-              <a:t> would be two different variables)</a:t>
-            </a:r>
-          </a:p>
-          <a:p>
-            <a:r>
-              <a:rPr lang="en-CA" dirty="0"/>
-              <a:t>Cannot start with a number (name1 is okay 1name is not)</a:t>
-            </a:r>
+            <a:pPr lvl="1"/>
+            <a:r>
+              <a:rPr lang="en-CA" dirty="0" smtClean="0"/>
+              <a:t>Use a casing "scheme"</a:t>
+            </a:r>
+          </a:p>
+          <a:p>
+            <a:pPr lvl="2"/>
+            <a:r>
+              <a:rPr lang="en-CA" dirty="0" err="1" smtClean="0"/>
+              <a:t>camelCasing</a:t>
+            </a:r>
+            <a:r>
+              <a:rPr lang="en-CA" dirty="0" smtClean="0"/>
+              <a:t> or </a:t>
+            </a:r>
+            <a:r>
+              <a:rPr lang="en-CA" dirty="0" err="1" smtClean="0"/>
+              <a:t>PascalCasing</a:t>
+            </a:r>
+            <a:endParaRPr lang="en-CA" dirty="0"/>
           </a:p>
           <a:p>
             <a:endParaRPr lang="en-CA" dirty="0"/>
@@ -5998,33 +5897,15 @@
                                   </p:childTnLst>
                                 </p:cTn>
                               </p:par>
-                            </p:childTnLst>
-                          </p:cTn>
-                        </p:par>
-                      </p:childTnLst>
-                    </p:cTn>
-                  </p:par>
-                  <p:par>
-                    <p:cTn id="7" fill="hold">
-                      <p:stCondLst>
-                        <p:cond delay="indefinite"/>
-                      </p:stCondLst>
-                      <p:childTnLst>
-                        <p:par>
-                          <p:cTn id="8" fill="hold">
-                            <p:stCondLst>
-                              <p:cond delay="0"/>
-                            </p:stCondLst>
-                            <p:childTnLst>
                               <p:par>
-                                <p:cTn id="9" presetID="1" presetClass="entr" presetSubtype="0" fill="hold" grpId="0" nodeType="clickEffect">
+                                <p:cTn id="7" presetID="1" presetClass="entr" presetSubtype="0" fill="hold" grpId="0" nodeType="withEffect">
                                   <p:stCondLst>
                                     <p:cond delay="0"/>
                                   </p:stCondLst>
                                   <p:childTnLst>
                                     <p:set>
                                       <p:cBhvr>
-                                        <p:cTn id="10" dur="1" fill="hold">
+                                        <p:cTn id="8" dur="1" fill="hold">
                                           <p:stCondLst>
                                             <p:cond delay="0"/>
                                           </p:stCondLst>
@@ -6047,26 +5928,70 @@
                                   </p:childTnLst>
                                 </p:cTn>
                               </p:par>
-                            </p:childTnLst>
-                          </p:cTn>
-                        </p:par>
-                      </p:childTnLst>
-                    </p:cTn>
-                  </p:par>
-                  <p:par>
-                    <p:cTn id="11" fill="hold">
-                      <p:stCondLst>
-                        <p:cond delay="indefinite"/>
-                      </p:stCondLst>
-                      <p:childTnLst>
-                        <p:par>
-                          <p:cTn id="12" fill="hold">
-                            <p:stCondLst>
-                              <p:cond delay="0"/>
-                            </p:stCondLst>
-                            <p:childTnLst>
                               <p:par>
-                                <p:cTn id="13" presetID="1" presetClass="entr" presetSubtype="0" fill="hold" grpId="0" nodeType="clickEffect">
+                                <p:cTn id="9" presetID="1" presetClass="entr" presetSubtype="0" fill="hold" grpId="0" nodeType="withEffect">
+                                  <p:stCondLst>
+                                    <p:cond delay="0"/>
+                                  </p:stCondLst>
+                                  <p:childTnLst>
+                                    <p:set>
+                                      <p:cBhvr>
+                                        <p:cTn id="10" dur="1" fill="hold">
+                                          <p:stCondLst>
+                                            <p:cond delay="0"/>
+                                          </p:stCondLst>
+                                        </p:cTn>
+                                        <p:tgtEl>
+                                          <p:spTgt spid="3">
+                                            <p:txEl>
+                                              <p:pRg st="2" end="2"/>
+                                            </p:txEl>
+                                          </p:spTgt>
+                                        </p:tgtEl>
+                                        <p:attrNameLst>
+                                          <p:attrName>style.visibility</p:attrName>
+                                        </p:attrNameLst>
+                                      </p:cBhvr>
+                                      <p:to>
+                                        <p:strVal val="visible"/>
+                                      </p:to>
+                                    </p:set>
+                                  </p:childTnLst>
+                                </p:cTn>
+                              </p:par>
+                              <p:par>
+                                <p:cTn id="11" presetID="1" presetClass="entr" presetSubtype="0" fill="hold" grpId="0" nodeType="withEffect">
+                                  <p:stCondLst>
+                                    <p:cond delay="0"/>
+                                  </p:stCondLst>
+                                  <p:childTnLst>
+                                    <p:set>
+                                      <p:cBhvr>
+                                        <p:cTn id="12" dur="1" fill="hold">
+                                          <p:stCondLst>
+                                            <p:cond delay="0"/>
+                                          </p:stCondLst>
+                                        </p:cTn>
+                                        <p:tgtEl>
+                                          <p:spTgt spid="3">
+                                            <p:txEl>
+                                              <p:pRg st="3" end="3"/>
+                                            </p:txEl>
+                                          </p:spTgt>
+                                        </p:tgtEl>
+                                        <p:attrNameLst>
+                                          <p:attrName>style.visibility</p:attrName>
+                                        </p:attrNameLst>
+                                      </p:cBhvr>
+                                      <p:to>
+                                        <p:strVal val="visible"/>
+                                      </p:to>
+                                    </p:set>
+                                  </p:childTnLst>
+                                </p:cTn>
+                              </p:par>
+                              <p:par>
+                                <p:cTn id="13" presetID="1" presetClass="entr" presetSubtype="0" fill="hold" grpId="0" nodeType="withEffect">
                                   <p:stCondLst>
                                     <p:cond delay="0"/>
                                   </p:stCondLst>
@@ -6081,7 +6006,7 @@
                                         <p:tgtEl>
                                           <p:spTgt spid="3">
                                             <p:txEl>
-                                              <p:pRg st="2" end="2"/>
+                                              <p:pRg st="4" end="4"/>
                                             </p:txEl>
                                           </p:spTgt>
                                         </p:tgtEl>
@@ -6130,7 +6055,7 @@
                                         <p:tgtEl>
                                           <p:spTgt spid="3">
                                             <p:txEl>
-                                              <p:pRg st="3" end="3"/>
+                                              <p:pRg st="5" end="5"/>
                                             </p:txEl>
                                           </p:spTgt>
                                         </p:tgtEl>
@@ -6145,26 +6070,39 @@
                                   </p:childTnLst>
                                 </p:cTn>
                               </p:par>
-                            </p:childTnLst>
-                          </p:cTn>
-                        </p:par>
-                      </p:childTnLst>
-                    </p:cTn>
-                  </p:par>
-                  <p:par>
-                    <p:cTn id="19" fill="hold">
-                      <p:stCondLst>
-                        <p:cond delay="indefinite"/>
-                      </p:stCondLst>
-                      <p:childTnLst>
-                        <p:par>
-                          <p:cTn id="20" fill="hold">
-                            <p:stCondLst>
-                              <p:cond delay="0"/>
-                            </p:stCondLst>
-                            <p:childTnLst>
                               <p:par>
-                                <p:cTn id="21" presetID="1" presetClass="entr" presetSubtype="0" fill="hold" grpId="0" nodeType="clickEffect">
+                                <p:cTn id="19" presetID="1" presetClass="entr" presetSubtype="0" fill="hold" grpId="0" nodeType="withEffect">
+                                  <p:stCondLst>
+                                    <p:cond delay="0"/>
+                                  </p:stCondLst>
+                                  <p:childTnLst>
+                                    <p:set>
+                                      <p:cBhvr>
+                                        <p:cTn id="20" dur="1" fill="hold">
+                                          <p:stCondLst>
+                                            <p:cond delay="0"/>
+                                          </p:stCondLst>
+                                        </p:cTn>
+                                        <p:tgtEl>
+                                          <p:spTgt spid="3">
+                                            <p:txEl>
+                                              <p:pRg st="6" end="6"/>
+                                            </p:txEl>
+                                          </p:spTgt>
+                                        </p:tgtEl>
+                                        <p:attrNameLst>
+                                          <p:attrName>style.visibility</p:attrName>
+                                        </p:attrNameLst>
+                                      </p:cBhvr>
+                                      <p:to>
+                                        <p:strVal val="visible"/>
+                                      </p:to>
+                                    </p:set>
+                                  </p:childTnLst>
+                                </p:cTn>
+                              </p:par>
+                              <p:par>
+                                <p:cTn id="21" presetID="1" presetClass="entr" presetSubtype="0" fill="hold" grpId="0" nodeType="withEffect">
                                   <p:stCondLst>
                                     <p:cond delay="0"/>
                                   </p:stCondLst>
@@ -6179,7 +6117,7 @@
                                         <p:tgtEl>
                                           <p:spTgt spid="3">
                                             <p:txEl>
-                                              <p:pRg st="4" end="4"/>
+                                              <p:pRg st="7" end="7"/>
                                             </p:txEl>
                                           </p:spTgt>
                                         </p:tgtEl>
@@ -6194,33 +6132,15 @@
                                   </p:childTnLst>
                                 </p:cTn>
                               </p:par>
-                            </p:childTnLst>
-                          </p:cTn>
-                        </p:par>
-                      </p:childTnLst>
-                    </p:cTn>
-                  </p:par>
-                  <p:par>
-                    <p:cTn id="23" fill="hold">
-                      <p:stCondLst>
-                        <p:cond delay="indefinite"/>
-                      </p:stCondLst>
-                      <p:childTnLst>
-                        <p:par>
-                          <p:cTn id="24" fill="hold">
-                            <p:stCondLst>
-                              <p:cond delay="0"/>
-                            </p:stCondLst>
-                            <p:childTnLst>
                               <p:par>
-                                <p:cTn id="25" presetID="1" presetClass="entr" presetSubtype="0" fill="hold" grpId="0" nodeType="clickEffect">
+                                <p:cTn id="23" presetID="1" presetClass="entr" presetSubtype="0" fill="hold" grpId="0" nodeType="withEffect">
                                   <p:stCondLst>
                                     <p:cond delay="0"/>
                                   </p:stCondLst>
                                   <p:childTnLst>
                                     <p:set>
                                       <p:cBhvr>
-                                        <p:cTn id="26" dur="1" fill="hold">
+                                        <p:cTn id="24" dur="1" fill="hold">
                                           <p:stCondLst>
                                             <p:cond delay="0"/>
                                           </p:stCondLst>
@@ -6228,7 +6148,7 @@
                                         <p:tgtEl>
                                           <p:spTgt spid="3">
                                             <p:txEl>
-                                              <p:pRg st="5" end="5"/>
+                                              <p:pRg st="8" end="8"/>
                                             </p:txEl>
                                           </p:spTgt>
                                         </p:tgtEl>
@@ -6273,6 +6193,134 @@
     <p:bldLst>
       <p:bldP spid="3" grpId="0" build="p"/>
     </p:bldLst>
+  </p:timing>
+</p:sld>
+</file>
+
+<file path=ppt/slides/slide11.xml><?xml version="1.0" encoding="utf-8"?>
+<p:sld xmlns:a="http://schemas.openxmlformats.org/drawingml/2006/main" xmlns:r="http://schemas.openxmlformats.org/officeDocument/2006/relationships" xmlns:p="http://schemas.openxmlformats.org/presentationml/2006/main">
+  <p:cSld>
+    <p:spTree>
+      <p:nvGrpSpPr>
+        <p:cNvPr id="1" name=""/>
+        <p:cNvGrpSpPr/>
+        <p:nvPr/>
+      </p:nvGrpSpPr>
+      <p:grpSpPr>
+        <a:xfrm>
+          <a:off x="0" y="0"/>
+          <a:ext cx="0" cy="0"/>
+          <a:chOff x="0" y="0"/>
+          <a:chExt cx="0" cy="0"/>
+        </a:xfrm>
+      </p:grpSpPr>
+      <p:sp>
+        <p:nvSpPr>
+          <p:cNvPr id="2" name="Title 1"/>
+          <p:cNvSpPr>
+            <a:spLocks noGrp="1"/>
+          </p:cNvSpPr>
+          <p:nvPr>
+            <p:ph type="title"/>
+          </p:nvPr>
+        </p:nvSpPr>
+        <p:spPr/>
+        <p:txBody>
+          <a:bodyPr>
+            <a:normAutofit fontScale="90000"/>
+          </a:bodyPr>
+          <a:lstStyle/>
+          <a:p>
+            <a:r>
+              <a:rPr lang="en-CA" dirty="0" smtClean="0"/>
+              <a:t>Which of the following do you think would be good names for variables?</a:t>
+            </a:r>
+            <a:endParaRPr lang="en-US" dirty="0"/>
+          </a:p>
+        </p:txBody>
+      </p:sp>
+      <p:sp>
+        <p:nvSpPr>
+          <p:cNvPr id="3" name="Content Placeholder 2"/>
+          <p:cNvSpPr>
+            <a:spLocks noGrp="1"/>
+          </p:cNvSpPr>
+          <p:nvPr>
+            <p:ph sz="quarter" idx="10"/>
+          </p:nvPr>
+        </p:nvSpPr>
+        <p:spPr/>
+        <p:txBody>
+          <a:bodyPr/>
+          <a:lstStyle/>
+          <a:p>
+            <a:r>
+              <a:rPr lang="en-CA" dirty="0" smtClean="0"/>
+              <a:t>Variable1</a:t>
+            </a:r>
+          </a:p>
+          <a:p>
+            <a:r>
+              <a:rPr lang="en-CA" dirty="0" smtClean="0"/>
+              <a:t>First Name</a:t>
+            </a:r>
+          </a:p>
+          <a:p>
+            <a:r>
+              <a:rPr lang="en-CA" dirty="0" smtClean="0"/>
+              <a:t>Date</a:t>
+            </a:r>
+          </a:p>
+          <a:p>
+            <a:r>
+              <a:rPr lang="en-CA" dirty="0" smtClean="0"/>
+              <a:t>3Name</a:t>
+            </a:r>
+          </a:p>
+          <a:p>
+            <a:r>
+              <a:rPr lang="en-CA" dirty="0" smtClean="0"/>
+              <a:t>DOB</a:t>
+            </a:r>
+          </a:p>
+          <a:p>
+            <a:r>
+              <a:rPr lang="en-CA" dirty="0" err="1" smtClean="0"/>
+              <a:t>DateOfBirth</a:t>
+            </a:r>
+            <a:endParaRPr lang="en-CA" dirty="0" smtClean="0"/>
+          </a:p>
+          <a:p>
+            <a:r>
+              <a:rPr lang="en-CA" dirty="0" err="1" smtClean="0"/>
+              <a:t>YourFavoriteSignInTheHoroscope</a:t>
+            </a:r>
+            <a:endParaRPr lang="en-CA" dirty="0" smtClean="0"/>
+          </a:p>
+          <a:p>
+            <a:pPr marL="0" indent="0">
+              <a:buNone/>
+            </a:pPr>
+            <a:endParaRPr lang="en-CA" dirty="0" smtClean="0"/>
+          </a:p>
+        </p:txBody>
+      </p:sp>
+    </p:spTree>
+    <p:extLst>
+      <p:ext uri="{BB962C8B-B14F-4D97-AF65-F5344CB8AC3E}">
+        <p14:creationId xmlns:p14="http://schemas.microsoft.com/office/powerpoint/2010/main" val="1527055214"/>
+      </p:ext>
+    </p:extLst>
+  </p:cSld>
+  <p:clrMapOvr>
+    <a:masterClrMapping/>
+  </p:clrMapOvr>
+  <p:timing>
+    <p:tnLst>
+      <p:par>
+        <p:cTn id="1" dur="indefinite" restart="never" nodeType="tmRoot"/>
+      </p:par>
+    </p:tnLst>
   </p:timing>
 </p:sld>
 </file>
@@ -7626,6 +7674,13 @@
   <p:clrMapOvr>
     <a:masterClrMapping/>
   </p:clrMapOvr>
+  <p:timing>
+    <p:tnLst>
+      <p:par>
+        <p:cTn id="1" dur="indefinite" restart="never" nodeType="tmRoot"/>
+      </p:par>
+    </p:tnLst>
+  </p:timing>
 </p:sld>
 </file>
 
@@ -9074,6 +9129,13 @@
   <p:clrMapOvr>
     <a:masterClrMapping/>
   </p:clrMapOvr>
+  <p:timing>
+    <p:tnLst>
+      <p:par>
+        <p:cTn id="1" dur="indefinite" restart="never" nodeType="tmRoot"/>
+      </p:par>
+    </p:tnLst>
+  </p:timing>
 </p:sld>
 </file>
 
@@ -11584,16 +11646,16 @@
           <a:lstStyle/>
           <a:p>
             <a:r>
+              <a:rPr lang="en-CA" smtClean="0"/>
+              <a:t>Converting </a:t>
+            </a:r>
+            <a:r>
+              <a:rPr lang="en-CA" smtClean="0"/>
+              <a:t>to </a:t>
+            </a:r>
+            <a:r>
               <a:rPr lang="en-CA" dirty="0" smtClean="0"/>
-              <a:t>Converting a </a:t>
-            </a:r>
-            <a:r>
-              <a:rPr lang="en-CA" dirty="0" err="1" smtClean="0"/>
-              <a:t>datatype</a:t>
-            </a:r>
-            <a:r>
-              <a:rPr lang="en-CA" dirty="0" smtClean="0"/>
-              <a:t> to uppercase</a:t>
+              <a:t>uppercase</a:t>
             </a:r>
             <a:endParaRPr lang="en-US" dirty="0"/>
           </a:p>
@@ -11609,6 +11671,13 @@
   <p:clrMapOvr>
     <a:masterClrMapping/>
   </p:clrMapOvr>
+  <p:timing>
+    <p:tnLst>
+      <p:par>
+        <p:cTn id="1" dur="indefinite" restart="never" nodeType="tmRoot"/>
+      </p:par>
+    </p:tnLst>
+  </p:timing>
 </p:sld>
 </file>
 
@@ -15186,6 +15255,13 @@
   <p:clrMapOvr>
     <a:masterClrMapping/>
   </p:clrMapOvr>
+  <p:timing>
+    <p:tnLst>
+      <p:par>
+        <p:cTn id="1" dur="indefinite" restart="never" nodeType="tmRoot"/>
+      </p:par>
+    </p:tnLst>
+  </p:timing>
 </p:sld>
 </file>
 
@@ -16553,6 +16629,13 @@
   <p:clrMapOvr>
     <a:masterClrMapping/>
   </p:clrMapOvr>
+  <p:timing>
+    <p:tnLst>
+      <p:par>
+        <p:cTn id="1" dur="indefinite" restart="never" nodeType="tmRoot"/>
+      </p:par>
+    </p:tnLst>
+  </p:timing>
 </p:sld>
 </file>
 

--- a/Office Docs/3 String Variables.pptx
+++ b/Office Docs/3 String Variables.pptx
@@ -5,38 +5,42 @@
     <p:sldMasterId id="2147483660" r:id="rId1"/>
   </p:sldMasterIdLst>
   <p:notesMasterIdLst>
-    <p:notesMasterId r:id="rId31"/>
+    <p:notesMasterId r:id="rId35"/>
   </p:notesMasterIdLst>
   <p:sldIdLst>
     <p:sldId id="346" r:id="rId2"/>
     <p:sldId id="357" r:id="rId3"/>
     <p:sldId id="261" r:id="rId4"/>
     <p:sldId id="362" r:id="rId5"/>
-    <p:sldId id="349" r:id="rId6"/>
-    <p:sldId id="350" r:id="rId7"/>
-    <p:sldId id="348" r:id="rId8"/>
-    <p:sldId id="262" r:id="rId9"/>
-    <p:sldId id="363" r:id="rId10"/>
-    <p:sldId id="356" r:id="rId11"/>
-    <p:sldId id="355" r:id="rId12"/>
-    <p:sldId id="351" r:id="rId13"/>
-    <p:sldId id="352" r:id="rId14"/>
-    <p:sldId id="364" r:id="rId15"/>
-    <p:sldId id="353" r:id="rId16"/>
-    <p:sldId id="263" r:id="rId17"/>
-    <p:sldId id="365" r:id="rId18"/>
-    <p:sldId id="358" r:id="rId19"/>
-    <p:sldId id="330" r:id="rId20"/>
-    <p:sldId id="264" r:id="rId21"/>
-    <p:sldId id="266" r:id="rId22"/>
-    <p:sldId id="303" r:id="rId23"/>
-    <p:sldId id="366" r:id="rId24"/>
-    <p:sldId id="305" r:id="rId25"/>
-    <p:sldId id="304" r:id="rId26"/>
-    <p:sldId id="267" r:id="rId27"/>
-    <p:sldId id="359" r:id="rId28"/>
-    <p:sldId id="360" r:id="rId29"/>
-    <p:sldId id="361" r:id="rId30"/>
+    <p:sldId id="367" r:id="rId6"/>
+    <p:sldId id="349" r:id="rId7"/>
+    <p:sldId id="350" r:id="rId8"/>
+    <p:sldId id="348" r:id="rId9"/>
+    <p:sldId id="262" r:id="rId10"/>
+    <p:sldId id="363" r:id="rId11"/>
+    <p:sldId id="368" r:id="rId12"/>
+    <p:sldId id="356" r:id="rId13"/>
+    <p:sldId id="355" r:id="rId14"/>
+    <p:sldId id="369" r:id="rId15"/>
+    <p:sldId id="351" r:id="rId16"/>
+    <p:sldId id="352" r:id="rId17"/>
+    <p:sldId id="364" r:id="rId18"/>
+    <p:sldId id="353" r:id="rId19"/>
+    <p:sldId id="263" r:id="rId20"/>
+    <p:sldId id="365" r:id="rId21"/>
+    <p:sldId id="358" r:id="rId22"/>
+    <p:sldId id="370" r:id="rId23"/>
+    <p:sldId id="330" r:id="rId24"/>
+    <p:sldId id="264" r:id="rId25"/>
+    <p:sldId id="266" r:id="rId26"/>
+    <p:sldId id="303" r:id="rId27"/>
+    <p:sldId id="366" r:id="rId28"/>
+    <p:sldId id="305" r:id="rId29"/>
+    <p:sldId id="304" r:id="rId30"/>
+    <p:sldId id="267" r:id="rId31"/>
+    <p:sldId id="359" r:id="rId32"/>
+    <p:sldId id="360" r:id="rId33"/>
+    <p:sldId id="361" r:id="rId34"/>
   </p:sldIdLst>
   <p:sldSz cx="12192000" cy="6858000"/>
   <p:notesSz cx="6858000" cy="9144000"/>
@@ -144,13 +148,16 @@
             <p14:sldId id="357"/>
             <p14:sldId id="261"/>
             <p14:sldId id="362"/>
+            <p14:sldId id="367"/>
             <p14:sldId id="349"/>
             <p14:sldId id="350"/>
             <p14:sldId id="348"/>
             <p14:sldId id="262"/>
             <p14:sldId id="363"/>
+            <p14:sldId id="368"/>
             <p14:sldId id="356"/>
             <p14:sldId id="355"/>
+            <p14:sldId id="369"/>
             <p14:sldId id="351"/>
             <p14:sldId id="352"/>
             <p14:sldId id="364"/>
@@ -158,6 +165,7 @@
             <p14:sldId id="263"/>
             <p14:sldId id="365"/>
             <p14:sldId id="358"/>
+            <p14:sldId id="370"/>
             <p14:sldId id="330"/>
             <p14:sldId id="264"/>
             <p14:sldId id="266"/>
@@ -268,7 +276,7 @@
           <a:p>
             <a:fld id="{A9DDBD42-E139-45FA-9C16-1611187CAC3F}" type="datetimeFigureOut">
               <a:rPr lang="en-US" smtClean="0"/>
-              <a:t>9/22/2014</a:t>
+              <a:t>9/23/2014</a:t>
             </a:fld>
             <a:endParaRPr lang="en-US"/>
           </a:p>
@@ -685,7 +693,7 @@
           <a:p>
             <a:fld id="{906AB01E-7BD7-442B-8A6B-D31FAFDAE830}" type="slidenum">
               <a:rPr lang="en-US" smtClean="0"/>
-              <a:t>10</a:t>
+              <a:t>12</a:t>
             </a:fld>
             <a:endParaRPr lang="en-US"/>
           </a:p>
@@ -769,7 +777,7 @@
           <a:p>
             <a:fld id="{906AB01E-7BD7-442B-8A6B-D31FAFDAE830}" type="slidenum">
               <a:rPr lang="en-US" smtClean="0"/>
-              <a:t>11</a:t>
+              <a:t>13</a:t>
             </a:fld>
             <a:endParaRPr lang="en-US"/>
           </a:p>
@@ -853,7 +861,7 @@
           <a:p>
             <a:fld id="{906AB01E-7BD7-442B-8A6B-D31FAFDAE830}" type="slidenum">
               <a:rPr lang="en-US" smtClean="0"/>
-              <a:t>12</a:t>
+              <a:t>15</a:t>
             </a:fld>
             <a:endParaRPr lang="en-US"/>
           </a:p>
@@ -937,7 +945,7 @@
           <a:p>
             <a:fld id="{906AB01E-7BD7-442B-8A6B-D31FAFDAE830}" type="slidenum">
               <a:rPr lang="en-US" smtClean="0"/>
-              <a:t>13</a:t>
+              <a:t>16</a:t>
             </a:fld>
             <a:endParaRPr lang="en-US"/>
           </a:p>
@@ -1021,7 +1029,7 @@
           <a:p>
             <a:fld id="{906AB01E-7BD7-442B-8A6B-D31FAFDAE830}" type="slidenum">
               <a:rPr lang="en-US" smtClean="0"/>
-              <a:t>14</a:t>
+              <a:t>17</a:t>
             </a:fld>
             <a:endParaRPr lang="en-US"/>
           </a:p>
@@ -1105,7 +1113,7 @@
           <a:p>
             <a:fld id="{906AB01E-7BD7-442B-8A6B-D31FAFDAE830}" type="slidenum">
               <a:rPr lang="en-US" smtClean="0"/>
-              <a:t>15</a:t>
+              <a:t>18</a:t>
             </a:fld>
             <a:endParaRPr lang="en-US"/>
           </a:p>
@@ -1189,7 +1197,7 @@
           <a:p>
             <a:fld id="{906AB01E-7BD7-442B-8A6B-D31FAFDAE830}" type="slidenum">
               <a:rPr lang="en-US" smtClean="0"/>
-              <a:t>16</a:t>
+              <a:t>19</a:t>
             </a:fld>
             <a:endParaRPr lang="en-US"/>
           </a:p>
@@ -1273,7 +1281,7 @@
           <a:p>
             <a:fld id="{906AB01E-7BD7-442B-8A6B-D31FAFDAE830}" type="slidenum">
               <a:rPr lang="en-US" smtClean="0"/>
-              <a:t>17</a:t>
+              <a:t>20</a:t>
             </a:fld>
             <a:endParaRPr lang="en-US"/>
           </a:p>
@@ -1357,7 +1365,7 @@
           <a:p>
             <a:fld id="{906AB01E-7BD7-442B-8A6B-D31FAFDAE830}" type="slidenum">
               <a:rPr lang="en-US" smtClean="0"/>
-              <a:t>18</a:t>
+              <a:t>21</a:t>
             </a:fld>
             <a:endParaRPr lang="en-US"/>
           </a:p>
@@ -1441,7 +1449,7 @@
           <a:p>
             <a:fld id="{906AB01E-7BD7-442B-8A6B-D31FAFDAE830}" type="slidenum">
               <a:rPr lang="en-US" smtClean="0"/>
-              <a:t>19</a:t>
+              <a:t>23</a:t>
             </a:fld>
             <a:endParaRPr lang="en-US"/>
           </a:p>
@@ -1609,7 +1617,7 @@
           <a:p>
             <a:fld id="{906AB01E-7BD7-442B-8A6B-D31FAFDAE830}" type="slidenum">
               <a:rPr lang="en-US" smtClean="0"/>
-              <a:t>20</a:t>
+              <a:t>24</a:t>
             </a:fld>
             <a:endParaRPr lang="en-US"/>
           </a:p>
@@ -1693,7 +1701,7 @@
           <a:p>
             <a:fld id="{906AB01E-7BD7-442B-8A6B-D31FAFDAE830}" type="slidenum">
               <a:rPr lang="en-US" smtClean="0"/>
-              <a:t>21</a:t>
+              <a:t>25</a:t>
             </a:fld>
             <a:endParaRPr lang="en-US"/>
           </a:p>
@@ -1777,7 +1785,7 @@
           <a:p>
             <a:fld id="{906AB01E-7BD7-442B-8A6B-D31FAFDAE830}" type="slidenum">
               <a:rPr lang="en-US" smtClean="0"/>
-              <a:t>22</a:t>
+              <a:t>26</a:t>
             </a:fld>
             <a:endParaRPr lang="en-US"/>
           </a:p>
@@ -1861,7 +1869,7 @@
           <a:p>
             <a:fld id="{906AB01E-7BD7-442B-8A6B-D31FAFDAE830}" type="slidenum">
               <a:rPr lang="en-US" smtClean="0"/>
-              <a:t>23</a:t>
+              <a:t>27</a:t>
             </a:fld>
             <a:endParaRPr lang="en-US"/>
           </a:p>
@@ -1945,7 +1953,7 @@
           <a:p>
             <a:fld id="{906AB01E-7BD7-442B-8A6B-D31FAFDAE830}" type="slidenum">
               <a:rPr lang="en-US" smtClean="0"/>
-              <a:t>24</a:t>
+              <a:t>28</a:t>
             </a:fld>
             <a:endParaRPr lang="en-US"/>
           </a:p>
@@ -2029,7 +2037,7 @@
           <a:p>
             <a:fld id="{906AB01E-7BD7-442B-8A6B-D31FAFDAE830}" type="slidenum">
               <a:rPr lang="en-US" smtClean="0"/>
-              <a:t>25</a:t>
+              <a:t>29</a:t>
             </a:fld>
             <a:endParaRPr lang="en-US"/>
           </a:p>
@@ -2113,7 +2121,7 @@
           <a:p>
             <a:fld id="{906AB01E-7BD7-442B-8A6B-D31FAFDAE830}" type="slidenum">
               <a:rPr lang="en-US" smtClean="0"/>
-              <a:t>26</a:t>
+              <a:t>30</a:t>
             </a:fld>
             <a:endParaRPr lang="en-US"/>
           </a:p>
@@ -2197,7 +2205,7 @@
           <a:p>
             <a:fld id="{906AB01E-7BD7-442B-8A6B-D31FAFDAE830}" type="slidenum">
               <a:rPr lang="en-US" smtClean="0"/>
-              <a:t>27</a:t>
+              <a:t>31</a:t>
             </a:fld>
             <a:endParaRPr lang="en-US"/>
           </a:p>
@@ -2281,7 +2289,7 @@
           <a:p>
             <a:fld id="{906AB01E-7BD7-442B-8A6B-D31FAFDAE830}" type="slidenum">
               <a:rPr lang="en-US" smtClean="0"/>
-              <a:t>28</a:t>
+              <a:t>32</a:t>
             </a:fld>
             <a:endParaRPr lang="en-US"/>
           </a:p>
@@ -2365,7 +2373,7 @@
           <a:p>
             <a:fld id="{906AB01E-7BD7-442B-8A6B-D31FAFDAE830}" type="slidenum">
               <a:rPr lang="en-US" smtClean="0"/>
-              <a:t>29</a:t>
+              <a:t>33</a:t>
             </a:fld>
             <a:endParaRPr lang="en-US"/>
           </a:p>
@@ -2617,7 +2625,7 @@
           <a:p>
             <a:fld id="{906AB01E-7BD7-442B-8A6B-D31FAFDAE830}" type="slidenum">
               <a:rPr lang="en-US" smtClean="0"/>
-              <a:t>5</a:t>
+              <a:t>6</a:t>
             </a:fld>
             <a:endParaRPr lang="en-US"/>
           </a:p>
@@ -2701,7 +2709,7 @@
           <a:p>
             <a:fld id="{906AB01E-7BD7-442B-8A6B-D31FAFDAE830}" type="slidenum">
               <a:rPr lang="en-US" smtClean="0"/>
-              <a:t>6</a:t>
+              <a:t>7</a:t>
             </a:fld>
             <a:endParaRPr lang="en-US"/>
           </a:p>
@@ -2785,7 +2793,7 @@
           <a:p>
             <a:fld id="{906AB01E-7BD7-442B-8A6B-D31FAFDAE830}" type="slidenum">
               <a:rPr lang="en-US" smtClean="0"/>
-              <a:t>7</a:t>
+              <a:t>8</a:t>
             </a:fld>
             <a:endParaRPr lang="en-US"/>
           </a:p>
@@ -2869,7 +2877,7 @@
           <a:p>
             <a:fld id="{906AB01E-7BD7-442B-8A6B-D31FAFDAE830}" type="slidenum">
               <a:rPr lang="en-US" smtClean="0"/>
-              <a:t>8</a:t>
+              <a:t>9</a:t>
             </a:fld>
             <a:endParaRPr lang="en-US"/>
           </a:p>
@@ -2953,7 +2961,7 @@
           <a:p>
             <a:fld id="{906AB01E-7BD7-442B-8A6B-D31FAFDAE830}" type="slidenum">
               <a:rPr lang="en-US" smtClean="0"/>
-              <a:t>9</a:t>
+              <a:t>10</a:t>
             </a:fld>
             <a:endParaRPr lang="en-US"/>
           </a:p>
@@ -5653,6 +5661,138 @@
 </file>
 
 <file path=ppt/slides/slide10.xml><?xml version="1.0" encoding="utf-8"?>
+<p:sld xmlns:a="http://schemas.openxmlformats.org/drawingml/2006/main" xmlns:r="http://schemas.openxmlformats.org/officeDocument/2006/relationships" xmlns:p="http://schemas.openxmlformats.org/presentationml/2006/main">
+  <p:cSld>
+    <p:spTree>
+      <p:nvGrpSpPr>
+        <p:cNvPr id="1" name=""/>
+        <p:cNvGrpSpPr/>
+        <p:nvPr/>
+      </p:nvGrpSpPr>
+      <p:grpSpPr>
+        <a:xfrm>
+          <a:off x="0" y="0"/>
+          <a:ext cx="0" cy="0"/>
+          <a:chOff x="0" y="0"/>
+          <a:chExt cx="0" cy="0"/>
+        </a:xfrm>
+      </p:grpSpPr>
+      <p:sp>
+        <p:nvSpPr>
+          <p:cNvPr id="4" name="Title 3"/>
+          <p:cNvSpPr>
+            <a:spLocks noGrp="1"/>
+          </p:cNvSpPr>
+          <p:nvPr>
+            <p:ph type="title"/>
+          </p:nvPr>
+        </p:nvSpPr>
+        <p:spPr/>
+        <p:txBody>
+          <a:bodyPr/>
+          <a:lstStyle/>
+          <a:p>
+            <a:r>
+              <a:rPr lang="en-CA" dirty="0" smtClean="0"/>
+              <a:t>Accessing a value entered by a user</a:t>
+            </a:r>
+            <a:endParaRPr lang="en-US" dirty="0"/>
+          </a:p>
+        </p:txBody>
+      </p:sp>
+    </p:spTree>
+    <p:extLst>
+      <p:ext uri="{BB962C8B-B14F-4D97-AF65-F5344CB8AC3E}">
+        <p14:creationId xmlns:p14="http://schemas.microsoft.com/office/powerpoint/2010/main" val="1063271656"/>
+      </p:ext>
+    </p:extLst>
+  </p:cSld>
+  <p:clrMapOvr>
+    <a:masterClrMapping/>
+  </p:clrMapOvr>
+  <p:timing>
+    <p:tnLst>
+      <p:par>
+        <p:cTn id="1" dur="indefinite" restart="never" nodeType="tmRoot"/>
+      </p:par>
+    </p:tnLst>
+  </p:timing>
+</p:sld>
+</file>
+
+<file path=ppt/slides/slide11.xml><?xml version="1.0" encoding="utf-8"?>
+<p:sld xmlns:a="http://schemas.openxmlformats.org/drawingml/2006/main" xmlns:r="http://schemas.openxmlformats.org/officeDocument/2006/relationships" xmlns:p="http://schemas.openxmlformats.org/presentationml/2006/main">
+  <p:cSld>
+    <p:spTree>
+      <p:nvGrpSpPr>
+        <p:cNvPr id="1" name=""/>
+        <p:cNvGrpSpPr/>
+        <p:nvPr/>
+      </p:nvGrpSpPr>
+      <p:grpSpPr>
+        <a:xfrm>
+          <a:off x="0" y="0"/>
+          <a:ext cx="0" cy="0"/>
+          <a:chOff x="0" y="0"/>
+          <a:chExt cx="0" cy="0"/>
+        </a:xfrm>
+      </p:grpSpPr>
+      <p:sp>
+        <p:nvSpPr>
+          <p:cNvPr id="4" name="Text Placeholder 3"/>
+          <p:cNvSpPr>
+            <a:spLocks noGrp="1"/>
+          </p:cNvSpPr>
+          <p:nvPr>
+            <p:ph type="body" sz="quarter" idx="10"/>
+          </p:nvPr>
+        </p:nvSpPr>
+        <p:spPr/>
+        <p:txBody>
+          <a:bodyPr/>
+          <a:lstStyle/>
+          <a:p>
+            <a:r>
+              <a:rPr lang="en-US" dirty="0" smtClean="0"/>
+              <a:t>What should I call them?</a:t>
+            </a:r>
+            <a:endParaRPr lang="en-US" dirty="0"/>
+          </a:p>
+        </p:txBody>
+      </p:sp>
+      <p:sp>
+        <p:nvSpPr>
+          <p:cNvPr id="3" name="Subtitle 2"/>
+          <p:cNvSpPr>
+            <a:spLocks noGrp="1"/>
+          </p:cNvSpPr>
+          <p:nvPr>
+            <p:ph type="subTitle" idx="1"/>
+          </p:nvPr>
+        </p:nvSpPr>
+        <p:spPr/>
+        <p:txBody>
+          <a:bodyPr/>
+          <a:lstStyle/>
+          <a:p>
+            <a:endParaRPr lang="en-US"/>
+          </a:p>
+        </p:txBody>
+      </p:sp>
+    </p:spTree>
+    <p:extLst>
+      <p:ext uri="{BB962C8B-B14F-4D97-AF65-F5344CB8AC3E}">
+        <p14:creationId xmlns:p14="http://schemas.microsoft.com/office/powerpoint/2010/main" val="1287232650"/>
+      </p:ext>
+    </p:extLst>
+  </p:cSld>
+  <p:clrMapOvr>
+    <a:masterClrMapping/>
+  </p:clrMapOvr>
+</p:sld>
+</file>
+
+<file path=ppt/slides/slide12.xml><?xml version="1.0" encoding="utf-8"?>
 <p:sld xmlns:a="http://schemas.openxmlformats.org/drawingml/2006/main" xmlns:r="http://schemas.openxmlformats.org/officeDocument/2006/relationships" xmlns:p="http://schemas.openxmlformats.org/presentationml/2006/main">
   <p:cSld>
     <p:spTree>
@@ -6197,7 +6337,7 @@
 </p:sld>
 </file>
 
-<file path=ppt/slides/slide11.xml><?xml version="1.0" encoding="utf-8"?>
+<file path=ppt/slides/slide13.xml><?xml version="1.0" encoding="utf-8"?>
 <p:sld xmlns:a="http://schemas.openxmlformats.org/drawingml/2006/main" xmlns:r="http://schemas.openxmlformats.org/officeDocument/2006/relationships" xmlns:p="http://schemas.openxmlformats.org/presentationml/2006/main">
   <p:cSld>
     <p:spTree>
@@ -6325,7 +6465,79 @@
 </p:sld>
 </file>
 
-<file path=ppt/slides/slide12.xml><?xml version="1.0" encoding="utf-8"?>
+<file path=ppt/slides/slide14.xml><?xml version="1.0" encoding="utf-8"?>
+<p:sld xmlns:a="http://schemas.openxmlformats.org/drawingml/2006/main" xmlns:r="http://schemas.openxmlformats.org/officeDocument/2006/relationships" xmlns:p="http://schemas.openxmlformats.org/presentationml/2006/main">
+  <p:cSld>
+    <p:spTree>
+      <p:nvGrpSpPr>
+        <p:cNvPr id="1" name=""/>
+        <p:cNvGrpSpPr/>
+        <p:nvPr/>
+      </p:nvGrpSpPr>
+      <p:grpSpPr>
+        <a:xfrm>
+          <a:off x="0" y="0"/>
+          <a:ext cx="0" cy="0"/>
+          <a:chOff x="0" y="0"/>
+          <a:chExt cx="0" cy="0"/>
+        </a:xfrm>
+      </p:grpSpPr>
+      <p:sp>
+        <p:nvSpPr>
+          <p:cNvPr id="6" name="Text Placeholder 5"/>
+          <p:cNvSpPr>
+            <a:spLocks noGrp="1"/>
+          </p:cNvSpPr>
+          <p:nvPr>
+            <p:ph type="body" sz="quarter" idx="10"/>
+          </p:nvPr>
+        </p:nvSpPr>
+        <p:spPr/>
+        <p:txBody>
+          <a:bodyPr/>
+          <a:lstStyle/>
+          <a:p>
+            <a:r>
+              <a:rPr lang="en-US" dirty="0" smtClean="0"/>
+              <a:t>Manipulating variables</a:t>
+            </a:r>
+            <a:endParaRPr lang="en-US" dirty="0"/>
+          </a:p>
+        </p:txBody>
+      </p:sp>
+      <p:sp>
+        <p:nvSpPr>
+          <p:cNvPr id="5" name="Subtitle 4"/>
+          <p:cNvSpPr>
+            <a:spLocks noGrp="1"/>
+          </p:cNvSpPr>
+          <p:nvPr>
+            <p:ph type="subTitle" idx="1"/>
+          </p:nvPr>
+        </p:nvSpPr>
+        <p:spPr/>
+        <p:txBody>
+          <a:bodyPr/>
+          <a:lstStyle/>
+          <a:p>
+            <a:endParaRPr lang="en-US"/>
+          </a:p>
+        </p:txBody>
+      </p:sp>
+    </p:spTree>
+    <p:extLst>
+      <p:ext uri="{BB962C8B-B14F-4D97-AF65-F5344CB8AC3E}">
+        <p14:creationId xmlns:p14="http://schemas.microsoft.com/office/powerpoint/2010/main" val="885783617"/>
+      </p:ext>
+    </p:extLst>
+  </p:cSld>
+  <p:clrMapOvr>
+    <a:masterClrMapping/>
+  </p:clrMapOvr>
+</p:sld>
+</file>
+
+<file path=ppt/slides/slide15.xml><?xml version="1.0" encoding="utf-8"?>
 <p:sld xmlns:a="http://schemas.openxmlformats.org/drawingml/2006/main" xmlns:r="http://schemas.openxmlformats.org/officeDocument/2006/relationships" xmlns:p="http://schemas.openxmlformats.org/presentationml/2006/main">
   <p:cSld>
     <p:spTree>
@@ -6919,7 +7131,7 @@
 </p:sld>
 </file>
 
-<file path=ppt/slides/slide13.xml><?xml version="1.0" encoding="utf-8"?>
+<file path=ppt/slides/slide16.xml><?xml version="1.0" encoding="utf-8"?>
 <p:sld xmlns:a="http://schemas.openxmlformats.org/drawingml/2006/main" xmlns:r="http://schemas.openxmlformats.org/officeDocument/2006/relationships" xmlns:p="http://schemas.openxmlformats.org/presentationml/2006/main">
   <p:cSld>
     <p:spTree>
@@ -7624,7 +7836,7 @@
 </p:sld>
 </file>
 
-<file path=ppt/slides/slide14.xml><?xml version="1.0" encoding="utf-8"?>
+<file path=ppt/slides/slide17.xml><?xml version="1.0" encoding="utf-8"?>
 <p:sld xmlns:a="http://schemas.openxmlformats.org/drawingml/2006/main" xmlns:r="http://schemas.openxmlformats.org/officeDocument/2006/relationships" xmlns:p="http://schemas.openxmlformats.org/presentationml/2006/main">
   <p:cSld>
     <p:spTree>
@@ -7684,7 +7896,7 @@
 </p:sld>
 </file>
 
-<file path=ppt/slides/slide15.xml><?xml version="1.0" encoding="utf-8"?>
+<file path=ppt/slides/slide18.xml><?xml version="1.0" encoding="utf-8"?>
 <p:sld xmlns:a="http://schemas.openxmlformats.org/drawingml/2006/main" xmlns:r="http://schemas.openxmlformats.org/officeDocument/2006/relationships" xmlns:p="http://schemas.openxmlformats.org/presentationml/2006/main">
   <p:cSld>
     <p:spTree>
@@ -8578,7 +8790,7 @@
 </p:sld>
 </file>
 
-<file path=ppt/slides/slide16.xml><?xml version="1.0" encoding="utf-8"?>
+<file path=ppt/slides/slide19.xml><?xml version="1.0" encoding="utf-8"?>
 <p:sld xmlns:a="http://schemas.openxmlformats.org/drawingml/2006/main" xmlns:r="http://schemas.openxmlformats.org/officeDocument/2006/relationships" xmlns:p="http://schemas.openxmlformats.org/presentationml/2006/main">
   <p:cSld>
     <p:spTree>
@@ -9075,675 +9287,6 @@
         </p:cTn>
       </p:par>
     </p:tnLst>
-  </p:timing>
-</p:sld>
-</file>
-
-<file path=ppt/slides/slide17.xml><?xml version="1.0" encoding="utf-8"?>
-<p:sld xmlns:a="http://schemas.openxmlformats.org/drawingml/2006/main" xmlns:r="http://schemas.openxmlformats.org/officeDocument/2006/relationships" xmlns:p="http://schemas.openxmlformats.org/presentationml/2006/main">
-  <p:cSld>
-    <p:spTree>
-      <p:nvGrpSpPr>
-        <p:cNvPr id="1" name=""/>
-        <p:cNvGrpSpPr/>
-        <p:nvPr/>
-      </p:nvGrpSpPr>
-      <p:grpSpPr>
-        <a:xfrm>
-          <a:off x="0" y="0"/>
-          <a:ext cx="0" cy="0"/>
-          <a:chOff x="0" y="0"/>
-          <a:chExt cx="0" cy="0"/>
-        </a:xfrm>
-      </p:grpSpPr>
-      <p:sp>
-        <p:nvSpPr>
-          <p:cNvPr id="4" name="Title 3"/>
-          <p:cNvSpPr>
-            <a:spLocks noGrp="1"/>
-          </p:cNvSpPr>
-          <p:nvPr>
-            <p:ph type="title"/>
-          </p:nvPr>
-        </p:nvSpPr>
-        <p:spPr/>
-        <p:txBody>
-          <a:bodyPr/>
-          <a:lstStyle/>
-          <a:p>
-            <a:r>
-              <a:rPr lang="en-CA" dirty="0" smtClean="0"/>
-              <a:t>Manipulating values with string functions</a:t>
-            </a:r>
-            <a:endParaRPr lang="en-US" dirty="0"/>
-          </a:p>
-        </p:txBody>
-      </p:sp>
-    </p:spTree>
-    <p:extLst>
-      <p:ext uri="{BB962C8B-B14F-4D97-AF65-F5344CB8AC3E}">
-        <p14:creationId xmlns:p14="http://schemas.microsoft.com/office/powerpoint/2010/main" val="3812521184"/>
-      </p:ext>
-    </p:extLst>
-  </p:cSld>
-  <p:clrMapOvr>
-    <a:masterClrMapping/>
-  </p:clrMapOvr>
-  <p:timing>
-    <p:tnLst>
-      <p:par>
-        <p:cTn id="1" dur="indefinite" restart="never" nodeType="tmRoot"/>
-      </p:par>
-    </p:tnLst>
-  </p:timing>
-</p:sld>
-</file>
-
-<file path=ppt/slides/slide18.xml><?xml version="1.0" encoding="utf-8"?>
-<p:sld xmlns:a="http://schemas.openxmlformats.org/drawingml/2006/main" xmlns:r="http://schemas.openxmlformats.org/officeDocument/2006/relationships" xmlns:p="http://schemas.openxmlformats.org/presentationml/2006/main">
-  <p:cSld>
-    <p:spTree>
-      <p:nvGrpSpPr>
-        <p:cNvPr id="1" name=""/>
-        <p:cNvGrpSpPr/>
-        <p:nvPr/>
-      </p:nvGrpSpPr>
-      <p:grpSpPr>
-        <a:xfrm>
-          <a:off x="0" y="0"/>
-          <a:ext cx="0" cy="0"/>
-          <a:chOff x="0" y="0"/>
-          <a:chExt cx="0" cy="0"/>
-        </a:xfrm>
-      </p:grpSpPr>
-      <p:pic>
-        <p:nvPicPr>
-          <p:cNvPr id="7" name="Content Placeholder 6"/>
-          <p:cNvPicPr>
-            <a:picLocks noGrp="1" noChangeAspect="1"/>
-          </p:cNvPicPr>
-          <p:nvPr>
-            <p:ph sz="half" idx="2"/>
-          </p:nvPr>
-        </p:nvPicPr>
-        <p:blipFill>
-          <a:blip r:embed="rId3" cstate="print">
-            <a:extLst>
-              <a:ext uri="{28A0092B-C50C-407E-A947-70E740481C1C}">
-                <a14:useLocalDpi xmlns:a14="http://schemas.microsoft.com/office/drawing/2010/main" val="0"/>
-              </a:ext>
-            </a:extLst>
-          </a:blip>
-          <a:stretch>
-            <a:fillRect/>
-          </a:stretch>
-        </p:blipFill>
-        <p:spPr>
-          <a:xfrm>
-            <a:off x="1600200" y="2205151"/>
-            <a:ext cx="2887367" cy="3285899"/>
-          </a:xfrm>
-        </p:spPr>
-      </p:pic>
-      <p:sp>
-        <p:nvSpPr>
-          <p:cNvPr id="6" name="Content Placeholder 5"/>
-          <p:cNvSpPr>
-            <a:spLocks noGrp="1"/>
-          </p:cNvSpPr>
-          <p:nvPr>
-            <p:ph sz="quarter" idx="4"/>
-          </p:nvPr>
-        </p:nvSpPr>
-        <p:spPr/>
-        <p:txBody>
-          <a:bodyPr/>
-          <a:lstStyle/>
-          <a:p>
-            <a:r>
-              <a:rPr lang="en-CA" dirty="0" smtClean="0"/>
-              <a:t>Lower, upper, and </a:t>
-            </a:r>
-            <a:r>
-              <a:rPr lang="en-CA" dirty="0" err="1" smtClean="0"/>
-              <a:t>swapcase</a:t>
-            </a:r>
-            <a:r>
-              <a:rPr lang="en-CA" dirty="0" smtClean="0"/>
-              <a:t> are different string functions</a:t>
-            </a:r>
-          </a:p>
-          <a:p>
-            <a:r>
-              <a:rPr lang="en-CA" dirty="0" smtClean="0"/>
-              <a:t>Because we are storing a string in the variable, we can use any of the Python string functions to manipulate the string</a:t>
-            </a:r>
-            <a:endParaRPr lang="en-US" dirty="0"/>
-          </a:p>
-        </p:txBody>
-      </p:sp>
-      <p:sp>
-        <p:nvSpPr>
-          <p:cNvPr id="4" name="Title 3"/>
-          <p:cNvSpPr>
-            <a:spLocks noGrp="1"/>
-          </p:cNvSpPr>
-          <p:nvPr>
-            <p:ph type="title"/>
-          </p:nvPr>
-        </p:nvSpPr>
-        <p:spPr/>
-        <p:txBody>
-          <a:bodyPr/>
-          <a:lstStyle/>
-          <a:p>
-            <a:r>
-              <a:rPr lang="en-CA" dirty="0" smtClean="0"/>
-              <a:t>Geek Tip!</a:t>
-            </a:r>
-            <a:endParaRPr lang="en-US" dirty="0"/>
-          </a:p>
-        </p:txBody>
-      </p:sp>
-    </p:spTree>
-    <p:extLst>
-      <p:ext uri="{BB962C8B-B14F-4D97-AF65-F5344CB8AC3E}">
-        <p14:creationId xmlns:p14="http://schemas.microsoft.com/office/powerpoint/2010/main" val="3795460497"/>
-      </p:ext>
-    </p:extLst>
-  </p:cSld>
-  <p:clrMapOvr>
-    <a:masterClrMapping/>
-  </p:clrMapOvr>
-  <p:timing>
-    <p:tnLst>
-      <p:par>
-        <p:cTn id="1" dur="indefinite" restart="never" nodeType="tmRoot">
-          <p:childTnLst>
-            <p:seq concurrent="1" nextAc="seek">
-              <p:cTn id="2" dur="indefinite" nodeType="mainSeq">
-                <p:childTnLst>
-                  <p:par>
-                    <p:cTn id="3" fill="hold">
-                      <p:stCondLst>
-                        <p:cond delay="indefinite"/>
-                      </p:stCondLst>
-                      <p:childTnLst>
-                        <p:par>
-                          <p:cTn id="4" fill="hold">
-                            <p:stCondLst>
-                              <p:cond delay="0"/>
-                            </p:stCondLst>
-                            <p:childTnLst>
-                              <p:par>
-                                <p:cTn id="5" presetID="1" presetClass="entr" presetSubtype="0" fill="hold" grpId="0" nodeType="clickEffect">
-                                  <p:stCondLst>
-                                    <p:cond delay="0"/>
-                                  </p:stCondLst>
-                                  <p:childTnLst>
-                                    <p:set>
-                                      <p:cBhvr>
-                                        <p:cTn id="6" dur="1" fill="hold">
-                                          <p:stCondLst>
-                                            <p:cond delay="0"/>
-                                          </p:stCondLst>
-                                        </p:cTn>
-                                        <p:tgtEl>
-                                          <p:spTgt spid="6">
-                                            <p:txEl>
-                                              <p:pRg st="0" end="0"/>
-                                            </p:txEl>
-                                          </p:spTgt>
-                                        </p:tgtEl>
-                                        <p:attrNameLst>
-                                          <p:attrName>style.visibility</p:attrName>
-                                        </p:attrNameLst>
-                                      </p:cBhvr>
-                                      <p:to>
-                                        <p:strVal val="visible"/>
-                                      </p:to>
-                                    </p:set>
-                                  </p:childTnLst>
-                                </p:cTn>
-                              </p:par>
-                            </p:childTnLst>
-                          </p:cTn>
-                        </p:par>
-                      </p:childTnLst>
-                    </p:cTn>
-                  </p:par>
-                  <p:par>
-                    <p:cTn id="7" fill="hold">
-                      <p:stCondLst>
-                        <p:cond delay="indefinite"/>
-                      </p:stCondLst>
-                      <p:childTnLst>
-                        <p:par>
-                          <p:cTn id="8" fill="hold">
-                            <p:stCondLst>
-                              <p:cond delay="0"/>
-                            </p:stCondLst>
-                            <p:childTnLst>
-                              <p:par>
-                                <p:cTn id="9" presetID="1" presetClass="entr" presetSubtype="0" fill="hold" grpId="0" nodeType="clickEffect">
-                                  <p:stCondLst>
-                                    <p:cond delay="0"/>
-                                  </p:stCondLst>
-                                  <p:childTnLst>
-                                    <p:set>
-                                      <p:cBhvr>
-                                        <p:cTn id="10" dur="1" fill="hold">
-                                          <p:stCondLst>
-                                            <p:cond delay="0"/>
-                                          </p:stCondLst>
-                                        </p:cTn>
-                                        <p:tgtEl>
-                                          <p:spTgt spid="6">
-                                            <p:txEl>
-                                              <p:pRg st="1" end="1"/>
-                                            </p:txEl>
-                                          </p:spTgt>
-                                        </p:tgtEl>
-                                        <p:attrNameLst>
-                                          <p:attrName>style.visibility</p:attrName>
-                                        </p:attrNameLst>
-                                      </p:cBhvr>
-                                      <p:to>
-                                        <p:strVal val="visible"/>
-                                      </p:to>
-                                    </p:set>
-                                  </p:childTnLst>
-                                </p:cTn>
-                              </p:par>
-                            </p:childTnLst>
-                          </p:cTn>
-                        </p:par>
-                      </p:childTnLst>
-                    </p:cTn>
-                  </p:par>
-                </p:childTnLst>
-              </p:cTn>
-              <p:prevCondLst>
-                <p:cond evt="onPrev" delay="0">
-                  <p:tgtEl>
-                    <p:sldTgt/>
-                  </p:tgtEl>
-                </p:cond>
-              </p:prevCondLst>
-              <p:nextCondLst>
-                <p:cond evt="onNext" delay="0">
-                  <p:tgtEl>
-                    <p:sldTgt/>
-                  </p:tgtEl>
-                </p:cond>
-              </p:nextCondLst>
-            </p:seq>
-          </p:childTnLst>
-        </p:cTn>
-      </p:par>
-    </p:tnLst>
-    <p:bldLst>
-      <p:bldP spid="6" grpId="0" build="p"/>
-    </p:bldLst>
-  </p:timing>
-</p:sld>
-</file>
-
-<file path=ppt/slides/slide19.xml><?xml version="1.0" encoding="utf-8"?>
-<p:sld xmlns:a="http://schemas.openxmlformats.org/drawingml/2006/main" xmlns:r="http://schemas.openxmlformats.org/officeDocument/2006/relationships" xmlns:p="http://schemas.openxmlformats.org/presentationml/2006/main">
-  <p:cSld>
-    <p:spTree>
-      <p:nvGrpSpPr>
-        <p:cNvPr id="1" name=""/>
-        <p:cNvGrpSpPr/>
-        <p:nvPr/>
-      </p:nvGrpSpPr>
-      <p:grpSpPr>
-        <a:xfrm>
-          <a:off x="0" y="0"/>
-          <a:ext cx="0" cy="0"/>
-          <a:chOff x="0" y="0"/>
-          <a:chExt cx="0" cy="0"/>
-        </a:xfrm>
-      </p:grpSpPr>
-      <p:sp>
-        <p:nvSpPr>
-          <p:cNvPr id="2" name="Title 1"/>
-          <p:cNvSpPr>
-            <a:spLocks noGrp="1"/>
-          </p:cNvSpPr>
-          <p:nvPr>
-            <p:ph type="title"/>
-          </p:nvPr>
-        </p:nvSpPr>
-        <p:spPr/>
-        <p:txBody>
-          <a:bodyPr/>
-          <a:lstStyle/>
-          <a:p>
-            <a:r>
-              <a:rPr lang="en-CA" dirty="0" smtClean="0"/>
-              <a:t>Did you notice the pop up list?</a:t>
-            </a:r>
-            <a:endParaRPr lang="en-US" dirty="0"/>
-          </a:p>
-        </p:txBody>
-      </p:sp>
-      <p:sp>
-        <p:nvSpPr>
-          <p:cNvPr id="4" name="Rectangle 1"/>
-          <p:cNvSpPr>
-            <a:spLocks noChangeArrowheads="1"/>
-          </p:cNvSpPr>
-          <p:nvPr/>
-        </p:nvSpPr>
-        <p:spPr bwMode="auto">
-          <a:xfrm>
-            <a:off x="838200" y="1690688"/>
-            <a:ext cx="5264426" cy="3970318"/>
-          </a:xfrm>
-          <a:prstGeom prst="rect">
-            <a:avLst/>
-          </a:prstGeom>
-          <a:solidFill>
-            <a:srgbClr val="FFFFFF"/>
-          </a:solidFill>
-          <a:ln>
-            <a:noFill/>
-          </a:ln>
-          <a:effectLst/>
-          <a:extLst>
-            <a:ext uri="{91240B29-F687-4F45-9708-019B960494DF}">
-              <a14:hiddenLine xmlns:a14="http://schemas.microsoft.com/office/drawing/2010/main" w="9525">
-                <a:solidFill>
-                  <a:schemeClr val="tx1"/>
-                </a:solidFill>
-                <a:miter lim="800000"/>
-                <a:headEnd/>
-                <a:tailEnd/>
-              </a14:hiddenLine>
-            </a:ext>
-            <a:ext uri="{AF507438-7753-43E0-B8FC-AC1667EBCBE1}">
-              <a14:hiddenEffects xmlns:a14="http://schemas.microsoft.com/office/drawing/2010/main">
-                <a:effectLst>
-                  <a:outerShdw dist="35921" dir="2700000" algn="ctr" rotWithShape="0">
-                    <a:schemeClr val="bg2"/>
-                  </a:outerShdw>
-                </a:effectLst>
-              </a14:hiddenEffects>
-            </a:ext>
-          </a:extLst>
-        </p:spPr>
-        <p:txBody>
-          <a:bodyPr vert="horz" wrap="square" lIns="91440" tIns="45720" rIns="91440" bIns="45720" numCol="1" anchor="ctr" anchorCtr="0" compatLnSpc="1">
-            <a:prstTxWarp prst="textNoShape">
-              <a:avLst/>
-            </a:prstTxWarp>
-            <a:spAutoFit/>
-          </a:bodyPr>
-          <a:lstStyle/>
-          <a:p>
-            <a:pPr marL="0" marR="0" lvl="0" indent="0" algn="l" defTabSz="914400" rtl="0" eaLnBrk="0" fontAlgn="base" latinLnBrk="0" hangingPunct="0">
-              <a:lnSpc>
-                <a:spcPct val="100000"/>
-              </a:lnSpc>
-              <a:spcBef>
-                <a:spcPct val="0"/>
-              </a:spcBef>
-              <a:spcAft>
-                <a:spcPct val="0"/>
-              </a:spcAft>
-              <a:buClrTx/>
-              <a:buSzTx/>
-              <a:buFontTx/>
-              <a:buNone/>
-              <a:tabLst/>
-            </a:pPr>
-            <a:r>
-              <a:rPr kumimoji="0" lang="en-US" altLang="en-US" sz="2800" b="0" i="0" u="none" strike="noStrike" cap="none" normalizeH="0" baseline="0" dirty="0">
-                <a:ln>
-                  <a:noFill/>
-                </a:ln>
-                <a:solidFill>
-                  <a:srgbClr val="000000"/>
-                </a:solidFill>
-                <a:effectLst/>
-                <a:latin typeface="Segoe UI Light" panose="020B0502040204020203" pitchFamily="34" charset="0"/>
-                <a:cs typeface="Segoe UI Light" panose="020B0502040204020203" pitchFamily="34" charset="0"/>
-              </a:rPr>
-              <a:t>That’s IntelliSense. </a:t>
-            </a:r>
-          </a:p>
-          <a:p>
-            <a:pPr marL="0" marR="0" lvl="0" indent="0" algn="l" defTabSz="914400" rtl="0" eaLnBrk="0" fontAlgn="base" latinLnBrk="0" hangingPunct="0">
-              <a:lnSpc>
-                <a:spcPct val="100000"/>
-              </a:lnSpc>
-              <a:spcBef>
-                <a:spcPct val="0"/>
-              </a:spcBef>
-              <a:spcAft>
-                <a:spcPct val="0"/>
-              </a:spcAft>
-              <a:buClrTx/>
-              <a:buSzTx/>
-              <a:buFontTx/>
-              <a:buNone/>
-              <a:tabLst/>
-            </a:pPr>
-            <a:endParaRPr lang="en-US" altLang="en-US" sz="2800" dirty="0">
-              <a:solidFill>
-                <a:srgbClr val="000000"/>
-              </a:solidFill>
-              <a:latin typeface="Segoe UI Light" panose="020B0502040204020203" pitchFamily="34" charset="0"/>
-              <a:cs typeface="Segoe UI Light" panose="020B0502040204020203" pitchFamily="34" charset="0"/>
-            </a:endParaRPr>
-          </a:p>
-          <a:p>
-            <a:pPr marL="0" marR="0" lvl="0" indent="0" algn="l" defTabSz="914400" rtl="0" eaLnBrk="0" fontAlgn="base" latinLnBrk="0" hangingPunct="0">
-              <a:lnSpc>
-                <a:spcPct val="100000"/>
-              </a:lnSpc>
-              <a:spcBef>
-                <a:spcPct val="0"/>
-              </a:spcBef>
-              <a:spcAft>
-                <a:spcPct val="0"/>
-              </a:spcAft>
-              <a:buClrTx/>
-              <a:buSzTx/>
-              <a:buFontTx/>
-              <a:buNone/>
-              <a:tabLst/>
-            </a:pPr>
-            <a:r>
-              <a:rPr lang="en-US" altLang="en-US" sz="2800" dirty="0">
-                <a:solidFill>
-                  <a:srgbClr val="000000"/>
-                </a:solidFill>
-                <a:latin typeface="Segoe UI Light" panose="020B0502040204020203" pitchFamily="34" charset="0"/>
-                <a:cs typeface="Segoe UI Light" panose="020B0502040204020203" pitchFamily="34" charset="0"/>
-              </a:rPr>
-              <a:t>Visual Studio will suggest possible functions that you can call automatically after you type the ‘.’ </a:t>
-            </a:r>
-          </a:p>
-          <a:p>
-            <a:pPr marL="0" marR="0" lvl="0" indent="0" algn="l" defTabSz="914400" rtl="0" eaLnBrk="0" fontAlgn="base" latinLnBrk="0" hangingPunct="0">
-              <a:lnSpc>
-                <a:spcPct val="100000"/>
-              </a:lnSpc>
-              <a:spcBef>
-                <a:spcPct val="0"/>
-              </a:spcBef>
-              <a:spcAft>
-                <a:spcPct val="0"/>
-              </a:spcAft>
-              <a:buClrTx/>
-              <a:buSzTx/>
-              <a:buFontTx/>
-              <a:buNone/>
-              <a:tabLst/>
-            </a:pPr>
-            <a:endParaRPr lang="en-US" altLang="en-US" sz="2800" dirty="0">
-              <a:solidFill>
-                <a:srgbClr val="000000"/>
-              </a:solidFill>
-              <a:latin typeface="Segoe UI Light" panose="020B0502040204020203" pitchFamily="34" charset="0"/>
-              <a:cs typeface="Segoe UI Light" panose="020B0502040204020203" pitchFamily="34" charset="0"/>
-            </a:endParaRPr>
-          </a:p>
-          <a:p>
-            <a:pPr marL="0" marR="0" lvl="0" indent="0" algn="l" defTabSz="914400" rtl="0" eaLnBrk="0" fontAlgn="base" latinLnBrk="0" hangingPunct="0">
-              <a:lnSpc>
-                <a:spcPct val="100000"/>
-              </a:lnSpc>
-              <a:spcBef>
-                <a:spcPct val="0"/>
-              </a:spcBef>
-              <a:spcAft>
-                <a:spcPct val="0"/>
-              </a:spcAft>
-              <a:buClrTx/>
-              <a:buSzTx/>
-              <a:buFontTx/>
-              <a:buNone/>
-              <a:tabLst/>
-            </a:pPr>
-            <a:r>
-              <a:rPr lang="en-US" altLang="en-US" sz="2800" dirty="0">
-                <a:solidFill>
-                  <a:srgbClr val="000000"/>
-                </a:solidFill>
-                <a:latin typeface="Segoe UI Light" panose="020B0502040204020203" pitchFamily="34" charset="0"/>
-                <a:cs typeface="Segoe UI Light" panose="020B0502040204020203" pitchFamily="34" charset="0"/>
-              </a:rPr>
-              <a:t>You can also use CTRL+J or CTRL+SPACE to launch IntelliSense</a:t>
-            </a:r>
-            <a:endParaRPr kumimoji="0" lang="en-US" altLang="en-US" sz="2800" b="0" i="0" u="none" strike="noStrike" cap="none" normalizeH="0" baseline="0" dirty="0">
-              <a:ln>
-                <a:noFill/>
-              </a:ln>
-              <a:solidFill>
-                <a:schemeClr val="tx1"/>
-              </a:solidFill>
-              <a:effectLst/>
-              <a:latin typeface="Segoe UI Light" panose="020B0502040204020203" pitchFamily="34" charset="0"/>
-              <a:cs typeface="Segoe UI Light" panose="020B0502040204020203" pitchFamily="34" charset="0"/>
-            </a:endParaRPr>
-          </a:p>
-        </p:txBody>
-      </p:sp>
-      <p:pic>
-        <p:nvPicPr>
-          <p:cNvPr id="3" name="Picture 2"/>
-          <p:cNvPicPr>
-            <a:picLocks noChangeAspect="1"/>
-          </p:cNvPicPr>
-          <p:nvPr/>
-        </p:nvPicPr>
-        <p:blipFill>
-          <a:blip r:embed="rId3"/>
-          <a:stretch>
-            <a:fillRect/>
-          </a:stretch>
-        </p:blipFill>
-        <p:spPr>
-          <a:xfrm>
-            <a:off x="6242605" y="1690688"/>
-            <a:ext cx="5550974" cy="3344638"/>
-          </a:xfrm>
-          <a:prstGeom prst="rect">
-            <a:avLst/>
-          </a:prstGeom>
-        </p:spPr>
-      </p:pic>
-    </p:spTree>
-    <p:extLst>
-      <p:ext uri="{BB962C8B-B14F-4D97-AF65-F5344CB8AC3E}">
-        <p14:creationId xmlns:p14="http://schemas.microsoft.com/office/powerpoint/2010/main" val="2514603760"/>
-      </p:ext>
-    </p:extLst>
-  </p:cSld>
-  <p:clrMapOvr>
-    <a:masterClrMapping/>
-  </p:clrMapOvr>
-  <p:timing>
-    <p:tnLst>
-      <p:par>
-        <p:cTn id="1" dur="indefinite" restart="never" nodeType="tmRoot">
-          <p:childTnLst>
-            <p:seq concurrent="1" nextAc="seek">
-              <p:cTn id="2" dur="indefinite" nodeType="mainSeq">
-                <p:childTnLst>
-                  <p:par>
-                    <p:cTn id="3" fill="hold">
-                      <p:stCondLst>
-                        <p:cond delay="indefinite"/>
-                      </p:stCondLst>
-                      <p:childTnLst>
-                        <p:par>
-                          <p:cTn id="4" fill="hold">
-                            <p:stCondLst>
-                              <p:cond delay="0"/>
-                            </p:stCondLst>
-                            <p:childTnLst>
-                              <p:par>
-                                <p:cTn id="5" presetID="1" presetClass="entr" presetSubtype="0" fill="hold" grpId="0" nodeType="clickEffect">
-                                  <p:stCondLst>
-                                    <p:cond delay="0"/>
-                                  </p:stCondLst>
-                                  <p:childTnLst>
-                                    <p:set>
-                                      <p:cBhvr>
-                                        <p:cTn id="6" dur="1" fill="hold">
-                                          <p:stCondLst>
-                                            <p:cond delay="0"/>
-                                          </p:stCondLst>
-                                        </p:cTn>
-                                        <p:tgtEl>
-                                          <p:spTgt spid="4"/>
-                                        </p:tgtEl>
-                                        <p:attrNameLst>
-                                          <p:attrName>style.visibility</p:attrName>
-                                        </p:attrNameLst>
-                                      </p:cBhvr>
-                                      <p:to>
-                                        <p:strVal val="visible"/>
-                                      </p:to>
-                                    </p:set>
-                                  </p:childTnLst>
-                                </p:cTn>
-                              </p:par>
-                            </p:childTnLst>
-                          </p:cTn>
-                        </p:par>
-                      </p:childTnLst>
-                    </p:cTn>
-                  </p:par>
-                </p:childTnLst>
-              </p:cTn>
-              <p:prevCondLst>
-                <p:cond evt="onPrev" delay="0">
-                  <p:tgtEl>
-                    <p:sldTgt/>
-                  </p:tgtEl>
-                </p:cond>
-              </p:prevCondLst>
-              <p:nextCondLst>
-                <p:cond evt="onNext" delay="0">
-                  <p:tgtEl>
-                    <p:sldTgt/>
-                  </p:tgtEl>
-                </p:cond>
-              </p:nextCondLst>
-            </p:seq>
-          </p:childTnLst>
-        </p:cTn>
-      </p:par>
-    </p:tnLst>
-    <p:bldLst>
-      <p:bldP spid="4" grpId="0" animBg="1"/>
-    </p:bldLst>
   </p:timing>
 </p:sld>
 </file>
@@ -10092,6 +9635,747 @@
       </p:grpSpPr>
       <p:sp>
         <p:nvSpPr>
+          <p:cNvPr id="4" name="Title 3"/>
+          <p:cNvSpPr>
+            <a:spLocks noGrp="1"/>
+          </p:cNvSpPr>
+          <p:nvPr>
+            <p:ph type="title"/>
+          </p:nvPr>
+        </p:nvSpPr>
+        <p:spPr/>
+        <p:txBody>
+          <a:bodyPr/>
+          <a:lstStyle/>
+          <a:p>
+            <a:r>
+              <a:rPr lang="en-CA" dirty="0" smtClean="0"/>
+              <a:t>Manipulating values with string functions</a:t>
+            </a:r>
+            <a:endParaRPr lang="en-US" dirty="0"/>
+          </a:p>
+        </p:txBody>
+      </p:sp>
+    </p:spTree>
+    <p:extLst>
+      <p:ext uri="{BB962C8B-B14F-4D97-AF65-F5344CB8AC3E}">
+        <p14:creationId xmlns:p14="http://schemas.microsoft.com/office/powerpoint/2010/main" val="3812521184"/>
+      </p:ext>
+    </p:extLst>
+  </p:cSld>
+  <p:clrMapOvr>
+    <a:masterClrMapping/>
+  </p:clrMapOvr>
+  <p:timing>
+    <p:tnLst>
+      <p:par>
+        <p:cTn id="1" dur="indefinite" restart="never" nodeType="tmRoot"/>
+      </p:par>
+    </p:tnLst>
+  </p:timing>
+</p:sld>
+</file>
+
+<file path=ppt/slides/slide21.xml><?xml version="1.0" encoding="utf-8"?>
+<p:sld xmlns:a="http://schemas.openxmlformats.org/drawingml/2006/main" xmlns:r="http://schemas.openxmlformats.org/officeDocument/2006/relationships" xmlns:p="http://schemas.openxmlformats.org/presentationml/2006/main">
+  <p:cSld>
+    <p:spTree>
+      <p:nvGrpSpPr>
+        <p:cNvPr id="1" name=""/>
+        <p:cNvGrpSpPr/>
+        <p:nvPr/>
+      </p:nvGrpSpPr>
+      <p:grpSpPr>
+        <a:xfrm>
+          <a:off x="0" y="0"/>
+          <a:ext cx="0" cy="0"/>
+          <a:chOff x="0" y="0"/>
+          <a:chExt cx="0" cy="0"/>
+        </a:xfrm>
+      </p:grpSpPr>
+      <p:pic>
+        <p:nvPicPr>
+          <p:cNvPr id="7" name="Content Placeholder 6"/>
+          <p:cNvPicPr>
+            <a:picLocks noGrp="1" noChangeAspect="1"/>
+          </p:cNvPicPr>
+          <p:nvPr>
+            <p:ph sz="half" idx="2"/>
+          </p:nvPr>
+        </p:nvPicPr>
+        <p:blipFill>
+          <a:blip r:embed="rId3" cstate="print">
+            <a:extLst>
+              <a:ext uri="{28A0092B-C50C-407E-A947-70E740481C1C}">
+                <a14:useLocalDpi xmlns:a14="http://schemas.microsoft.com/office/drawing/2010/main" val="0"/>
+              </a:ext>
+            </a:extLst>
+          </a:blip>
+          <a:stretch>
+            <a:fillRect/>
+          </a:stretch>
+        </p:blipFill>
+        <p:spPr>
+          <a:xfrm>
+            <a:off x="1600200" y="2205151"/>
+            <a:ext cx="2887367" cy="3285899"/>
+          </a:xfrm>
+        </p:spPr>
+      </p:pic>
+      <p:sp>
+        <p:nvSpPr>
+          <p:cNvPr id="6" name="Content Placeholder 5"/>
+          <p:cNvSpPr>
+            <a:spLocks noGrp="1"/>
+          </p:cNvSpPr>
+          <p:nvPr>
+            <p:ph sz="quarter" idx="4"/>
+          </p:nvPr>
+        </p:nvSpPr>
+        <p:spPr/>
+        <p:txBody>
+          <a:bodyPr/>
+          <a:lstStyle/>
+          <a:p>
+            <a:r>
+              <a:rPr lang="en-CA" dirty="0" smtClean="0"/>
+              <a:t>Lower, upper, and </a:t>
+            </a:r>
+            <a:r>
+              <a:rPr lang="en-CA" dirty="0" err="1" smtClean="0"/>
+              <a:t>swapcase</a:t>
+            </a:r>
+            <a:r>
+              <a:rPr lang="en-CA" dirty="0" smtClean="0"/>
+              <a:t> are different string functions</a:t>
+            </a:r>
+          </a:p>
+          <a:p>
+            <a:r>
+              <a:rPr lang="en-CA" dirty="0" smtClean="0"/>
+              <a:t>Because we are storing a string in the variable, we can use any of the Python string functions to manipulate the string</a:t>
+            </a:r>
+            <a:endParaRPr lang="en-US" dirty="0"/>
+          </a:p>
+        </p:txBody>
+      </p:sp>
+      <p:sp>
+        <p:nvSpPr>
+          <p:cNvPr id="4" name="Title 3"/>
+          <p:cNvSpPr>
+            <a:spLocks noGrp="1"/>
+          </p:cNvSpPr>
+          <p:nvPr>
+            <p:ph type="title"/>
+          </p:nvPr>
+        </p:nvSpPr>
+        <p:spPr/>
+        <p:txBody>
+          <a:bodyPr/>
+          <a:lstStyle/>
+          <a:p>
+            <a:r>
+              <a:rPr lang="en-CA" dirty="0" smtClean="0"/>
+              <a:t>Geek Tip!</a:t>
+            </a:r>
+            <a:endParaRPr lang="en-US" dirty="0"/>
+          </a:p>
+        </p:txBody>
+      </p:sp>
+    </p:spTree>
+    <p:extLst>
+      <p:ext uri="{BB962C8B-B14F-4D97-AF65-F5344CB8AC3E}">
+        <p14:creationId xmlns:p14="http://schemas.microsoft.com/office/powerpoint/2010/main" val="3795460497"/>
+      </p:ext>
+    </p:extLst>
+  </p:cSld>
+  <p:clrMapOvr>
+    <a:masterClrMapping/>
+  </p:clrMapOvr>
+  <p:timing>
+    <p:tnLst>
+      <p:par>
+        <p:cTn id="1" dur="indefinite" restart="never" nodeType="tmRoot">
+          <p:childTnLst>
+            <p:seq concurrent="1" nextAc="seek">
+              <p:cTn id="2" dur="indefinite" nodeType="mainSeq">
+                <p:childTnLst>
+                  <p:par>
+                    <p:cTn id="3" fill="hold">
+                      <p:stCondLst>
+                        <p:cond delay="indefinite"/>
+                      </p:stCondLst>
+                      <p:childTnLst>
+                        <p:par>
+                          <p:cTn id="4" fill="hold">
+                            <p:stCondLst>
+                              <p:cond delay="0"/>
+                            </p:stCondLst>
+                            <p:childTnLst>
+                              <p:par>
+                                <p:cTn id="5" presetID="1" presetClass="entr" presetSubtype="0" fill="hold" grpId="0" nodeType="clickEffect">
+                                  <p:stCondLst>
+                                    <p:cond delay="0"/>
+                                  </p:stCondLst>
+                                  <p:childTnLst>
+                                    <p:set>
+                                      <p:cBhvr>
+                                        <p:cTn id="6" dur="1" fill="hold">
+                                          <p:stCondLst>
+                                            <p:cond delay="0"/>
+                                          </p:stCondLst>
+                                        </p:cTn>
+                                        <p:tgtEl>
+                                          <p:spTgt spid="6">
+                                            <p:txEl>
+                                              <p:pRg st="0" end="0"/>
+                                            </p:txEl>
+                                          </p:spTgt>
+                                        </p:tgtEl>
+                                        <p:attrNameLst>
+                                          <p:attrName>style.visibility</p:attrName>
+                                        </p:attrNameLst>
+                                      </p:cBhvr>
+                                      <p:to>
+                                        <p:strVal val="visible"/>
+                                      </p:to>
+                                    </p:set>
+                                  </p:childTnLst>
+                                </p:cTn>
+                              </p:par>
+                            </p:childTnLst>
+                          </p:cTn>
+                        </p:par>
+                      </p:childTnLst>
+                    </p:cTn>
+                  </p:par>
+                  <p:par>
+                    <p:cTn id="7" fill="hold">
+                      <p:stCondLst>
+                        <p:cond delay="indefinite"/>
+                      </p:stCondLst>
+                      <p:childTnLst>
+                        <p:par>
+                          <p:cTn id="8" fill="hold">
+                            <p:stCondLst>
+                              <p:cond delay="0"/>
+                            </p:stCondLst>
+                            <p:childTnLst>
+                              <p:par>
+                                <p:cTn id="9" presetID="1" presetClass="entr" presetSubtype="0" fill="hold" grpId="0" nodeType="clickEffect">
+                                  <p:stCondLst>
+                                    <p:cond delay="0"/>
+                                  </p:stCondLst>
+                                  <p:childTnLst>
+                                    <p:set>
+                                      <p:cBhvr>
+                                        <p:cTn id="10" dur="1" fill="hold">
+                                          <p:stCondLst>
+                                            <p:cond delay="0"/>
+                                          </p:stCondLst>
+                                        </p:cTn>
+                                        <p:tgtEl>
+                                          <p:spTgt spid="6">
+                                            <p:txEl>
+                                              <p:pRg st="1" end="1"/>
+                                            </p:txEl>
+                                          </p:spTgt>
+                                        </p:tgtEl>
+                                        <p:attrNameLst>
+                                          <p:attrName>style.visibility</p:attrName>
+                                        </p:attrNameLst>
+                                      </p:cBhvr>
+                                      <p:to>
+                                        <p:strVal val="visible"/>
+                                      </p:to>
+                                    </p:set>
+                                  </p:childTnLst>
+                                </p:cTn>
+                              </p:par>
+                            </p:childTnLst>
+                          </p:cTn>
+                        </p:par>
+                      </p:childTnLst>
+                    </p:cTn>
+                  </p:par>
+                </p:childTnLst>
+              </p:cTn>
+              <p:prevCondLst>
+                <p:cond evt="onPrev" delay="0">
+                  <p:tgtEl>
+                    <p:sldTgt/>
+                  </p:tgtEl>
+                </p:cond>
+              </p:prevCondLst>
+              <p:nextCondLst>
+                <p:cond evt="onNext" delay="0">
+                  <p:tgtEl>
+                    <p:sldTgt/>
+                  </p:tgtEl>
+                </p:cond>
+              </p:nextCondLst>
+            </p:seq>
+          </p:childTnLst>
+        </p:cTn>
+      </p:par>
+    </p:tnLst>
+    <p:bldLst>
+      <p:bldP spid="6" grpId="0" build="p"/>
+    </p:bldLst>
+  </p:timing>
+</p:sld>
+</file>
+
+<file path=ppt/slides/slide22.xml><?xml version="1.0" encoding="utf-8"?>
+<p:sld xmlns:a="http://schemas.openxmlformats.org/drawingml/2006/main" xmlns:r="http://schemas.openxmlformats.org/officeDocument/2006/relationships" xmlns:p="http://schemas.openxmlformats.org/presentationml/2006/main">
+  <p:cSld>
+    <p:spTree>
+      <p:nvGrpSpPr>
+        <p:cNvPr id="1" name=""/>
+        <p:cNvGrpSpPr/>
+        <p:nvPr/>
+      </p:nvGrpSpPr>
+      <p:grpSpPr>
+        <a:xfrm>
+          <a:off x="0" y="0"/>
+          <a:ext cx="0" cy="0"/>
+          <a:chOff x="0" y="0"/>
+          <a:chExt cx="0" cy="0"/>
+        </a:xfrm>
+      </p:grpSpPr>
+      <p:sp>
+        <p:nvSpPr>
+          <p:cNvPr id="6" name="Text Placeholder 5"/>
+          <p:cNvSpPr>
+            <a:spLocks noGrp="1"/>
+          </p:cNvSpPr>
+          <p:nvPr>
+            <p:ph type="body" sz="quarter" idx="10"/>
+          </p:nvPr>
+        </p:nvSpPr>
+        <p:spPr/>
+        <p:txBody>
+          <a:bodyPr/>
+          <a:lstStyle/>
+          <a:p>
+            <a:r>
+              <a:rPr lang="en-US" dirty="0" smtClean="0"/>
+              <a:t>Visual Studio awesomeness</a:t>
+            </a:r>
+            <a:endParaRPr lang="en-US" dirty="0"/>
+          </a:p>
+        </p:txBody>
+      </p:sp>
+      <p:sp>
+        <p:nvSpPr>
+          <p:cNvPr id="5" name="Subtitle 4"/>
+          <p:cNvSpPr>
+            <a:spLocks noGrp="1"/>
+          </p:cNvSpPr>
+          <p:nvPr>
+            <p:ph type="subTitle" idx="1"/>
+          </p:nvPr>
+        </p:nvSpPr>
+        <p:spPr/>
+        <p:txBody>
+          <a:bodyPr/>
+          <a:lstStyle/>
+          <a:p>
+            <a:endParaRPr lang="en-US"/>
+          </a:p>
+        </p:txBody>
+      </p:sp>
+    </p:spTree>
+    <p:extLst>
+      <p:ext uri="{BB962C8B-B14F-4D97-AF65-F5344CB8AC3E}">
+        <p14:creationId xmlns:p14="http://schemas.microsoft.com/office/powerpoint/2010/main" val="3544177940"/>
+      </p:ext>
+    </p:extLst>
+  </p:cSld>
+  <p:clrMapOvr>
+    <a:masterClrMapping/>
+  </p:clrMapOvr>
+</p:sld>
+</file>
+
+<file path=ppt/slides/slide23.xml><?xml version="1.0" encoding="utf-8"?>
+<p:sld xmlns:a="http://schemas.openxmlformats.org/drawingml/2006/main" xmlns:r="http://schemas.openxmlformats.org/officeDocument/2006/relationships" xmlns:p="http://schemas.openxmlformats.org/presentationml/2006/main">
+  <p:cSld>
+    <p:spTree>
+      <p:nvGrpSpPr>
+        <p:cNvPr id="1" name=""/>
+        <p:cNvGrpSpPr/>
+        <p:nvPr/>
+      </p:nvGrpSpPr>
+      <p:grpSpPr>
+        <a:xfrm>
+          <a:off x="0" y="0"/>
+          <a:ext cx="0" cy="0"/>
+          <a:chOff x="0" y="0"/>
+          <a:chExt cx="0" cy="0"/>
+        </a:xfrm>
+      </p:grpSpPr>
+      <p:sp>
+        <p:nvSpPr>
+          <p:cNvPr id="2" name="Title 1"/>
+          <p:cNvSpPr>
+            <a:spLocks noGrp="1"/>
+          </p:cNvSpPr>
+          <p:nvPr>
+            <p:ph type="title"/>
+          </p:nvPr>
+        </p:nvSpPr>
+        <p:spPr/>
+        <p:txBody>
+          <a:bodyPr/>
+          <a:lstStyle/>
+          <a:p>
+            <a:r>
+              <a:rPr lang="en-CA" dirty="0" smtClean="0"/>
+              <a:t>Did you notice the pop up list?</a:t>
+            </a:r>
+            <a:endParaRPr lang="en-US" dirty="0"/>
+          </a:p>
+        </p:txBody>
+      </p:sp>
+      <p:sp>
+        <p:nvSpPr>
+          <p:cNvPr id="4" name="Rectangle 1"/>
+          <p:cNvSpPr>
+            <a:spLocks noChangeArrowheads="1"/>
+          </p:cNvSpPr>
+          <p:nvPr/>
+        </p:nvSpPr>
+        <p:spPr bwMode="auto">
+          <a:xfrm>
+            <a:off x="838200" y="1690688"/>
+            <a:ext cx="5264426" cy="3970318"/>
+          </a:xfrm>
+          <a:prstGeom prst="rect">
+            <a:avLst/>
+          </a:prstGeom>
+          <a:solidFill>
+            <a:srgbClr val="FFFFFF"/>
+          </a:solidFill>
+          <a:ln>
+            <a:noFill/>
+          </a:ln>
+          <a:effectLst/>
+          <a:extLst>
+            <a:ext uri="{91240B29-F687-4F45-9708-019B960494DF}">
+              <a14:hiddenLine xmlns:a14="http://schemas.microsoft.com/office/drawing/2010/main" w="9525">
+                <a:solidFill>
+                  <a:schemeClr val="tx1"/>
+                </a:solidFill>
+                <a:miter lim="800000"/>
+                <a:headEnd/>
+                <a:tailEnd/>
+              </a14:hiddenLine>
+            </a:ext>
+            <a:ext uri="{AF507438-7753-43E0-B8FC-AC1667EBCBE1}">
+              <a14:hiddenEffects xmlns:a14="http://schemas.microsoft.com/office/drawing/2010/main">
+                <a:effectLst>
+                  <a:outerShdw dist="35921" dir="2700000" algn="ctr" rotWithShape="0">
+                    <a:schemeClr val="bg2"/>
+                  </a:outerShdw>
+                </a:effectLst>
+              </a14:hiddenEffects>
+            </a:ext>
+          </a:extLst>
+        </p:spPr>
+        <p:txBody>
+          <a:bodyPr vert="horz" wrap="square" lIns="91440" tIns="45720" rIns="91440" bIns="45720" numCol="1" anchor="ctr" anchorCtr="0" compatLnSpc="1">
+            <a:prstTxWarp prst="textNoShape">
+              <a:avLst/>
+            </a:prstTxWarp>
+            <a:spAutoFit/>
+          </a:bodyPr>
+          <a:lstStyle/>
+          <a:p>
+            <a:pPr marL="0" marR="0" lvl="0" indent="0" algn="l" defTabSz="914400" rtl="0" eaLnBrk="0" fontAlgn="base" latinLnBrk="0" hangingPunct="0">
+              <a:lnSpc>
+                <a:spcPct val="100000"/>
+              </a:lnSpc>
+              <a:spcBef>
+                <a:spcPct val="0"/>
+              </a:spcBef>
+              <a:spcAft>
+                <a:spcPct val="0"/>
+              </a:spcAft>
+              <a:buClrTx/>
+              <a:buSzTx/>
+              <a:buFontTx/>
+              <a:buNone/>
+              <a:tabLst/>
+            </a:pPr>
+            <a:r>
+              <a:rPr kumimoji="0" lang="en-US" altLang="en-US" sz="2800" b="0" i="0" u="none" strike="noStrike" cap="none" normalizeH="0" baseline="0" dirty="0">
+                <a:ln>
+                  <a:noFill/>
+                </a:ln>
+                <a:solidFill>
+                  <a:srgbClr val="000000"/>
+                </a:solidFill>
+                <a:effectLst/>
+                <a:latin typeface="Segoe UI Light" panose="020B0502040204020203" pitchFamily="34" charset="0"/>
+                <a:cs typeface="Segoe UI Light" panose="020B0502040204020203" pitchFamily="34" charset="0"/>
+              </a:rPr>
+              <a:t>That’s IntelliSense. </a:t>
+            </a:r>
+          </a:p>
+          <a:p>
+            <a:pPr marL="0" marR="0" lvl="0" indent="0" algn="l" defTabSz="914400" rtl="0" eaLnBrk="0" fontAlgn="base" latinLnBrk="0" hangingPunct="0">
+              <a:lnSpc>
+                <a:spcPct val="100000"/>
+              </a:lnSpc>
+              <a:spcBef>
+                <a:spcPct val="0"/>
+              </a:spcBef>
+              <a:spcAft>
+                <a:spcPct val="0"/>
+              </a:spcAft>
+              <a:buClrTx/>
+              <a:buSzTx/>
+              <a:buFontTx/>
+              <a:buNone/>
+              <a:tabLst/>
+            </a:pPr>
+            <a:endParaRPr lang="en-US" altLang="en-US" sz="2800" dirty="0">
+              <a:solidFill>
+                <a:srgbClr val="000000"/>
+              </a:solidFill>
+              <a:latin typeface="Segoe UI Light" panose="020B0502040204020203" pitchFamily="34" charset="0"/>
+              <a:cs typeface="Segoe UI Light" panose="020B0502040204020203" pitchFamily="34" charset="0"/>
+            </a:endParaRPr>
+          </a:p>
+          <a:p>
+            <a:pPr marL="0" marR="0" lvl="0" indent="0" algn="l" defTabSz="914400" rtl="0" eaLnBrk="0" fontAlgn="base" latinLnBrk="0" hangingPunct="0">
+              <a:lnSpc>
+                <a:spcPct val="100000"/>
+              </a:lnSpc>
+              <a:spcBef>
+                <a:spcPct val="0"/>
+              </a:spcBef>
+              <a:spcAft>
+                <a:spcPct val="0"/>
+              </a:spcAft>
+              <a:buClrTx/>
+              <a:buSzTx/>
+              <a:buFontTx/>
+              <a:buNone/>
+              <a:tabLst/>
+            </a:pPr>
+            <a:r>
+              <a:rPr lang="en-US" altLang="en-US" sz="2800" dirty="0">
+                <a:solidFill>
+                  <a:srgbClr val="000000"/>
+                </a:solidFill>
+                <a:latin typeface="Segoe UI Light" panose="020B0502040204020203" pitchFamily="34" charset="0"/>
+                <a:cs typeface="Segoe UI Light" panose="020B0502040204020203" pitchFamily="34" charset="0"/>
+              </a:rPr>
+              <a:t>Visual Studio will suggest possible functions that you can call automatically after you type the ‘.’ </a:t>
+            </a:r>
+          </a:p>
+          <a:p>
+            <a:pPr marL="0" marR="0" lvl="0" indent="0" algn="l" defTabSz="914400" rtl="0" eaLnBrk="0" fontAlgn="base" latinLnBrk="0" hangingPunct="0">
+              <a:lnSpc>
+                <a:spcPct val="100000"/>
+              </a:lnSpc>
+              <a:spcBef>
+                <a:spcPct val="0"/>
+              </a:spcBef>
+              <a:spcAft>
+                <a:spcPct val="0"/>
+              </a:spcAft>
+              <a:buClrTx/>
+              <a:buSzTx/>
+              <a:buFontTx/>
+              <a:buNone/>
+              <a:tabLst/>
+            </a:pPr>
+            <a:endParaRPr lang="en-US" altLang="en-US" sz="2800" dirty="0">
+              <a:solidFill>
+                <a:srgbClr val="000000"/>
+              </a:solidFill>
+              <a:latin typeface="Segoe UI Light" panose="020B0502040204020203" pitchFamily="34" charset="0"/>
+              <a:cs typeface="Segoe UI Light" panose="020B0502040204020203" pitchFamily="34" charset="0"/>
+            </a:endParaRPr>
+          </a:p>
+          <a:p>
+            <a:pPr marL="0" marR="0" lvl="0" indent="0" algn="l" defTabSz="914400" rtl="0" eaLnBrk="0" fontAlgn="base" latinLnBrk="0" hangingPunct="0">
+              <a:lnSpc>
+                <a:spcPct val="100000"/>
+              </a:lnSpc>
+              <a:spcBef>
+                <a:spcPct val="0"/>
+              </a:spcBef>
+              <a:spcAft>
+                <a:spcPct val="0"/>
+              </a:spcAft>
+              <a:buClrTx/>
+              <a:buSzTx/>
+              <a:buFontTx/>
+              <a:buNone/>
+              <a:tabLst/>
+            </a:pPr>
+            <a:r>
+              <a:rPr lang="en-US" altLang="en-US" sz="2800" dirty="0">
+                <a:solidFill>
+                  <a:srgbClr val="000000"/>
+                </a:solidFill>
+                <a:latin typeface="Segoe UI Light" panose="020B0502040204020203" pitchFamily="34" charset="0"/>
+                <a:cs typeface="Segoe UI Light" panose="020B0502040204020203" pitchFamily="34" charset="0"/>
+              </a:rPr>
+              <a:t>You can also use CTRL+J or CTRL+SPACE to launch IntelliSense</a:t>
+            </a:r>
+            <a:endParaRPr kumimoji="0" lang="en-US" altLang="en-US" sz="2800" b="0" i="0" u="none" strike="noStrike" cap="none" normalizeH="0" baseline="0" dirty="0">
+              <a:ln>
+                <a:noFill/>
+              </a:ln>
+              <a:solidFill>
+                <a:schemeClr val="tx1"/>
+              </a:solidFill>
+              <a:effectLst/>
+              <a:latin typeface="Segoe UI Light" panose="020B0502040204020203" pitchFamily="34" charset="0"/>
+              <a:cs typeface="Segoe UI Light" panose="020B0502040204020203" pitchFamily="34" charset="0"/>
+            </a:endParaRPr>
+          </a:p>
+        </p:txBody>
+      </p:sp>
+      <p:pic>
+        <p:nvPicPr>
+          <p:cNvPr id="3" name="Picture 2"/>
+          <p:cNvPicPr>
+            <a:picLocks noChangeAspect="1"/>
+          </p:cNvPicPr>
+          <p:nvPr/>
+        </p:nvPicPr>
+        <p:blipFill>
+          <a:blip r:embed="rId3"/>
+          <a:stretch>
+            <a:fillRect/>
+          </a:stretch>
+        </p:blipFill>
+        <p:spPr>
+          <a:xfrm>
+            <a:off x="6242605" y="1690688"/>
+            <a:ext cx="5550974" cy="3344638"/>
+          </a:xfrm>
+          <a:prstGeom prst="rect">
+            <a:avLst/>
+          </a:prstGeom>
+        </p:spPr>
+      </p:pic>
+    </p:spTree>
+    <p:extLst>
+      <p:ext uri="{BB962C8B-B14F-4D97-AF65-F5344CB8AC3E}">
+        <p14:creationId xmlns:p14="http://schemas.microsoft.com/office/powerpoint/2010/main" val="2514603760"/>
+      </p:ext>
+    </p:extLst>
+  </p:cSld>
+  <p:clrMapOvr>
+    <a:masterClrMapping/>
+  </p:clrMapOvr>
+  <p:timing>
+    <p:tnLst>
+      <p:par>
+        <p:cTn id="1" dur="indefinite" restart="never" nodeType="tmRoot">
+          <p:childTnLst>
+            <p:seq concurrent="1" nextAc="seek">
+              <p:cTn id="2" dur="indefinite" nodeType="mainSeq">
+                <p:childTnLst>
+                  <p:par>
+                    <p:cTn id="3" fill="hold">
+                      <p:stCondLst>
+                        <p:cond delay="indefinite"/>
+                      </p:stCondLst>
+                      <p:childTnLst>
+                        <p:par>
+                          <p:cTn id="4" fill="hold">
+                            <p:stCondLst>
+                              <p:cond delay="0"/>
+                            </p:stCondLst>
+                            <p:childTnLst>
+                              <p:par>
+                                <p:cTn id="5" presetID="1" presetClass="entr" presetSubtype="0" fill="hold" grpId="0" nodeType="clickEffect">
+                                  <p:stCondLst>
+                                    <p:cond delay="0"/>
+                                  </p:stCondLst>
+                                  <p:childTnLst>
+                                    <p:set>
+                                      <p:cBhvr>
+                                        <p:cTn id="6" dur="1" fill="hold">
+                                          <p:stCondLst>
+                                            <p:cond delay="0"/>
+                                          </p:stCondLst>
+                                        </p:cTn>
+                                        <p:tgtEl>
+                                          <p:spTgt spid="4"/>
+                                        </p:tgtEl>
+                                        <p:attrNameLst>
+                                          <p:attrName>style.visibility</p:attrName>
+                                        </p:attrNameLst>
+                                      </p:cBhvr>
+                                      <p:to>
+                                        <p:strVal val="visible"/>
+                                      </p:to>
+                                    </p:set>
+                                  </p:childTnLst>
+                                </p:cTn>
+                              </p:par>
+                            </p:childTnLst>
+                          </p:cTn>
+                        </p:par>
+                      </p:childTnLst>
+                    </p:cTn>
+                  </p:par>
+                </p:childTnLst>
+              </p:cTn>
+              <p:prevCondLst>
+                <p:cond evt="onPrev" delay="0">
+                  <p:tgtEl>
+                    <p:sldTgt/>
+                  </p:tgtEl>
+                </p:cond>
+              </p:prevCondLst>
+              <p:nextCondLst>
+                <p:cond evt="onNext" delay="0">
+                  <p:tgtEl>
+                    <p:sldTgt/>
+                  </p:tgtEl>
+                </p:cond>
+              </p:nextCondLst>
+            </p:seq>
+          </p:childTnLst>
+        </p:cTn>
+      </p:par>
+    </p:tnLst>
+    <p:bldLst>
+      <p:bldP spid="4" grpId="0" animBg="1"/>
+    </p:bldLst>
+  </p:timing>
+</p:sld>
+</file>
+
+<file path=ppt/slides/slide24.xml><?xml version="1.0" encoding="utf-8"?>
+<p:sld xmlns:a="http://schemas.openxmlformats.org/drawingml/2006/main" xmlns:r="http://schemas.openxmlformats.org/officeDocument/2006/relationships" xmlns:p="http://schemas.openxmlformats.org/presentationml/2006/main">
+  <p:cSld>
+    <p:spTree>
+      <p:nvGrpSpPr>
+        <p:cNvPr id="1" name=""/>
+        <p:cNvGrpSpPr/>
+        <p:nvPr/>
+      </p:nvGrpSpPr>
+      <p:grpSpPr>
+        <a:xfrm>
+          <a:off x="0" y="0"/>
+          <a:ext cx="0" cy="0"/>
+          <a:chOff x="0" y="0"/>
+          <a:chExt cx="0" cy="0"/>
+        </a:xfrm>
+      </p:grpSpPr>
+      <p:sp>
+        <p:nvSpPr>
           <p:cNvPr id="2" name="Title 1"/>
           <p:cNvSpPr>
             <a:spLocks noGrp="1"/>
@@ -10786,7 +11070,7 @@
 </p:sld>
 </file>
 
-<file path=ppt/slides/slide21.xml><?xml version="1.0" encoding="utf-8"?>
+<file path=ppt/slides/slide25.xml><?xml version="1.0" encoding="utf-8"?>
 <p:sld xmlns:a="http://schemas.openxmlformats.org/drawingml/2006/main" xmlns:r="http://schemas.openxmlformats.org/officeDocument/2006/relationships" xmlns:p="http://schemas.openxmlformats.org/presentationml/2006/main">
   <p:cSld>
     <p:spTree>
@@ -11168,7 +11452,7 @@
 </p:sld>
 </file>
 
-<file path=ppt/slides/slide22.xml><?xml version="1.0" encoding="utf-8"?>
+<file path=ppt/slides/slide26.xml><?xml version="1.0" encoding="utf-8"?>
 <p:sld xmlns:a="http://schemas.openxmlformats.org/drawingml/2006/main" xmlns:r="http://schemas.openxmlformats.org/officeDocument/2006/relationships" xmlns:p="http://schemas.openxmlformats.org/presentationml/2006/main">
   <p:cSld>
     <p:spTree>
@@ -11613,7 +11897,7 @@
 </p:sld>
 </file>
 
-<file path=ppt/slides/slide23.xml><?xml version="1.0" encoding="utf-8"?>
+<file path=ppt/slides/slide27.xml><?xml version="1.0" encoding="utf-8"?>
 <p:sld xmlns:a="http://schemas.openxmlformats.org/drawingml/2006/main" xmlns:r="http://schemas.openxmlformats.org/officeDocument/2006/relationships" xmlns:p="http://schemas.openxmlformats.org/presentationml/2006/main">
   <p:cSld>
     <p:spTree>
@@ -11647,11 +11931,7 @@
           <a:p>
             <a:r>
               <a:rPr lang="en-CA" smtClean="0"/>
-              <a:t>Converting </a:t>
-            </a:r>
-            <a:r>
-              <a:rPr lang="en-CA" smtClean="0"/>
-              <a:t>to </a:t>
+              <a:t>Converting to </a:t>
             </a:r>
             <a:r>
               <a:rPr lang="en-CA" dirty="0" smtClean="0"/>
@@ -11681,7 +11961,7 @@
 </p:sld>
 </file>
 
-<file path=ppt/slides/slide24.xml><?xml version="1.0" encoding="utf-8"?>
+<file path=ppt/slides/slide28.xml><?xml version="1.0" encoding="utf-8"?>
 <p:sld xmlns:a="http://schemas.openxmlformats.org/drawingml/2006/main" xmlns:r="http://schemas.openxmlformats.org/officeDocument/2006/relationships" xmlns:p="http://schemas.openxmlformats.org/presentationml/2006/main">
   <p:cSld>
     <p:spTree>
@@ -12282,7 +12562,7 @@
 </p:sld>
 </file>
 
-<file path=ppt/slides/slide25.xml><?xml version="1.0" encoding="utf-8"?>
+<file path=ppt/slides/slide29.xml><?xml version="1.0" encoding="utf-8"?>
 <p:sld xmlns:a="http://schemas.openxmlformats.org/drawingml/2006/main" xmlns:r="http://schemas.openxmlformats.org/officeDocument/2006/relationships" xmlns:p="http://schemas.openxmlformats.org/presentationml/2006/main">
   <p:cSld>
     <p:spTree>
@@ -12744,7 +13024,480 @@
 </p:sld>
 </file>
 
-<file path=ppt/slides/slide26.xml><?xml version="1.0" encoding="utf-8"?>
+<file path=ppt/slides/slide3.xml><?xml version="1.0" encoding="utf-8"?>
+<p:sld xmlns:a="http://schemas.openxmlformats.org/drawingml/2006/main" xmlns:r="http://schemas.openxmlformats.org/officeDocument/2006/relationships" xmlns:p="http://schemas.openxmlformats.org/presentationml/2006/main">
+  <p:cSld>
+    <p:spTree>
+      <p:nvGrpSpPr>
+        <p:cNvPr id="1" name=""/>
+        <p:cNvGrpSpPr/>
+        <p:nvPr/>
+      </p:nvGrpSpPr>
+      <p:grpSpPr>
+        <a:xfrm>
+          <a:off x="0" y="0"/>
+          <a:ext cx="0" cy="0"/>
+          <a:chOff x="0" y="0"/>
+          <a:chExt cx="0" cy="0"/>
+        </a:xfrm>
+      </p:grpSpPr>
+      <p:sp>
+        <p:nvSpPr>
+          <p:cNvPr id="2" name="Title 1"/>
+          <p:cNvSpPr>
+            <a:spLocks noGrp="1"/>
+          </p:cNvSpPr>
+          <p:nvPr>
+            <p:ph type="title"/>
+          </p:nvPr>
+        </p:nvSpPr>
+        <p:spPr/>
+        <p:txBody>
+          <a:bodyPr/>
+          <a:lstStyle/>
+          <a:p>
+            <a:r>
+              <a:rPr lang="en-CA" dirty="0" smtClean="0"/>
+              <a:t>How can we ask a user for information?</a:t>
+            </a:r>
+            <a:endParaRPr lang="en-US" dirty="0"/>
+          </a:p>
+        </p:txBody>
+      </p:sp>
+      <p:sp>
+        <p:nvSpPr>
+          <p:cNvPr id="4" name="Content Placeholder 3"/>
+          <p:cNvSpPr>
+            <a:spLocks noGrp="1"/>
+          </p:cNvSpPr>
+          <p:nvPr>
+            <p:ph sz="quarter" idx="10"/>
+          </p:nvPr>
+        </p:nvSpPr>
+        <p:spPr>
+          <a:xfrm>
+            <a:off x="838200" y="3790942"/>
+            <a:ext cx="10515600" cy="2800358"/>
+          </a:xfrm>
+        </p:spPr>
+        <p:txBody>
+          <a:bodyPr>
+            <a:normAutofit fontScale="92500"/>
+          </a:bodyPr>
+          <a:lstStyle/>
+          <a:p>
+            <a:pPr marL="0" indent="0">
+              <a:buNone/>
+            </a:pPr>
+            <a:r>
+              <a:rPr lang="en-CA" dirty="0" smtClean="0"/>
+              <a:t>The </a:t>
+            </a:r>
+            <a:r>
+              <a:rPr lang="en-CA" b="1" dirty="0" smtClean="0"/>
+              <a:t>input</a:t>
+            </a:r>
+            <a:r>
+              <a:rPr lang="en-CA" dirty="0" smtClean="0"/>
+              <a:t> function allows you to specify a message to display and returns the value typed in by the user.</a:t>
+            </a:r>
+          </a:p>
+          <a:p>
+            <a:pPr marL="0" indent="0">
+              <a:buNone/>
+            </a:pPr>
+            <a:r>
+              <a:rPr lang="en-CA" dirty="0" smtClean="0"/>
+              <a:t>We use a variable to remember the value entered by the user.</a:t>
+            </a:r>
+          </a:p>
+          <a:p>
+            <a:pPr marL="0" indent="0">
+              <a:buNone/>
+            </a:pPr>
+            <a:r>
+              <a:rPr lang="en-CA" dirty="0" smtClean="0"/>
+              <a:t>We called our variable “name” but you can call it just about anything as long the variable name doesn’t contain spaces</a:t>
+            </a:r>
+            <a:endParaRPr lang="en-CA" dirty="0"/>
+          </a:p>
+        </p:txBody>
+      </p:sp>
+      <p:sp>
+        <p:nvSpPr>
+          <p:cNvPr id="3" name="Rectangle 1"/>
+          <p:cNvSpPr>
+            <a:spLocks noChangeArrowheads="1"/>
+          </p:cNvSpPr>
+          <p:nvPr/>
+        </p:nvSpPr>
+        <p:spPr bwMode="auto">
+          <a:xfrm>
+            <a:off x="838200" y="2345855"/>
+            <a:ext cx="7479933" cy="523220"/>
+          </a:xfrm>
+          <a:prstGeom prst="rect">
+            <a:avLst/>
+          </a:prstGeom>
+          <a:solidFill>
+            <a:srgbClr val="FFFFFF"/>
+          </a:solidFill>
+          <a:ln>
+            <a:noFill/>
+          </a:ln>
+          <a:effectLst/>
+          <a:extLst>
+            <a:ext uri="{91240B29-F687-4F45-9708-019B960494DF}">
+              <a14:hiddenLine xmlns:a14="http://schemas.microsoft.com/office/drawing/2010/main" w="9525">
+                <a:solidFill>
+                  <a:schemeClr val="tx1"/>
+                </a:solidFill>
+                <a:miter lim="800000"/>
+                <a:headEnd/>
+                <a:tailEnd/>
+              </a14:hiddenLine>
+            </a:ext>
+            <a:ext uri="{AF507438-7753-43E0-B8FC-AC1667EBCBE1}">
+              <a14:hiddenEffects xmlns:a14="http://schemas.microsoft.com/office/drawing/2010/main">
+                <a:effectLst>
+                  <a:outerShdw dist="35921" dir="2700000" algn="ctr" rotWithShape="0">
+                    <a:schemeClr val="bg2"/>
+                  </a:outerShdw>
+                </a:effectLst>
+              </a14:hiddenEffects>
+            </a:ext>
+          </a:extLst>
+        </p:spPr>
+        <p:txBody>
+          <a:bodyPr vert="horz" wrap="none" lIns="91440" tIns="45720" rIns="91440" bIns="45720" numCol="1" anchor="ctr" anchorCtr="0" compatLnSpc="1">
+            <a:prstTxWarp prst="textNoShape">
+              <a:avLst/>
+            </a:prstTxWarp>
+            <a:spAutoFit/>
+          </a:bodyPr>
+          <a:lstStyle/>
+          <a:p>
+            <a:pPr marL="0" marR="0" lvl="0" indent="0" algn="l" defTabSz="914400" rtl="0" eaLnBrk="0" fontAlgn="base" latinLnBrk="0" hangingPunct="0">
+              <a:lnSpc>
+                <a:spcPct val="100000"/>
+              </a:lnSpc>
+              <a:spcBef>
+                <a:spcPct val="0"/>
+              </a:spcBef>
+              <a:spcAft>
+                <a:spcPct val="0"/>
+              </a:spcAft>
+              <a:buClrTx/>
+              <a:buSzTx/>
+              <a:buFontTx/>
+              <a:buNone/>
+              <a:tabLst/>
+            </a:pPr>
+            <a:r>
+              <a:rPr lang="en-US" altLang="en-US" sz="2800" dirty="0" smtClean="0">
+                <a:solidFill>
+                  <a:srgbClr val="000000"/>
+                </a:solidFill>
+                <a:latin typeface="Consolas" panose="020B0609020204030204" pitchFamily="49" charset="0"/>
+                <a:cs typeface="Consolas" panose="020B0609020204030204" pitchFamily="49" charset="0"/>
+              </a:rPr>
+              <a:t>n</a:t>
+            </a:r>
+            <a:r>
+              <a:rPr kumimoji="0" lang="en-US" altLang="en-US" sz="2800" b="0" i="0" u="none" strike="noStrike" cap="none" normalizeH="0" baseline="0" dirty="0" smtClean="0">
+                <a:ln>
+                  <a:noFill/>
+                </a:ln>
+                <a:solidFill>
+                  <a:srgbClr val="000000"/>
+                </a:solidFill>
+                <a:effectLst/>
+                <a:latin typeface="Consolas" panose="020B0609020204030204" pitchFamily="49" charset="0"/>
+                <a:cs typeface="Consolas" panose="020B0609020204030204" pitchFamily="49" charset="0"/>
+              </a:rPr>
+              <a:t>ame = input(</a:t>
+            </a:r>
+            <a:r>
+              <a:rPr kumimoji="0" lang="en-US" altLang="en-US" sz="2800" b="0" i="0" u="none" strike="noStrike" cap="none" normalizeH="0" baseline="0" dirty="0" smtClean="0">
+                <a:ln>
+                  <a:noFill/>
+                </a:ln>
+                <a:solidFill>
+                  <a:srgbClr val="A31515"/>
+                </a:solidFill>
+                <a:effectLst/>
+                <a:latin typeface="Consolas" panose="020B0609020204030204" pitchFamily="49" charset="0"/>
+                <a:cs typeface="Consolas" panose="020B0609020204030204" pitchFamily="49" charset="0"/>
+              </a:rPr>
+              <a:t>"What is your name? "</a:t>
+            </a:r>
+            <a:r>
+              <a:rPr kumimoji="0" lang="en-US" altLang="en-US" sz="2800" b="0" i="0" u="none" strike="noStrike" cap="none" normalizeH="0" baseline="0" dirty="0" smtClean="0">
+                <a:ln>
+                  <a:noFill/>
+                </a:ln>
+                <a:solidFill>
+                  <a:srgbClr val="000000"/>
+                </a:solidFill>
+                <a:effectLst/>
+                <a:latin typeface="Consolas" panose="020B0609020204030204" pitchFamily="49" charset="0"/>
+                <a:cs typeface="Consolas" panose="020B0609020204030204" pitchFamily="49" charset="0"/>
+              </a:rPr>
+              <a:t>) </a:t>
+            </a:r>
+            <a:endParaRPr kumimoji="0" lang="en-US" altLang="en-US" sz="2800" b="0" i="0" u="none" strike="noStrike" cap="none" normalizeH="0" baseline="0" dirty="0" smtClean="0">
+              <a:ln>
+                <a:noFill/>
+              </a:ln>
+              <a:solidFill>
+                <a:schemeClr val="tx1"/>
+              </a:solidFill>
+              <a:effectLst/>
+              <a:latin typeface="Arial" panose="020B0604020202020204" pitchFamily="34" charset="0"/>
+            </a:endParaRPr>
+          </a:p>
+        </p:txBody>
+      </p:sp>
+    </p:spTree>
+    <p:extLst>
+      <p:ext uri="{BB962C8B-B14F-4D97-AF65-F5344CB8AC3E}">
+        <p14:creationId xmlns:p14="http://schemas.microsoft.com/office/powerpoint/2010/main" val="3290481780"/>
+      </p:ext>
+    </p:extLst>
+  </p:cSld>
+  <p:clrMapOvr>
+    <a:masterClrMapping/>
+  </p:clrMapOvr>
+  <p:timing>
+    <p:tnLst>
+      <p:par>
+        <p:cTn id="1" dur="indefinite" restart="never" nodeType="tmRoot">
+          <p:childTnLst>
+            <p:seq concurrent="1" nextAc="seek">
+              <p:cTn id="2" dur="indefinite" nodeType="mainSeq">
+                <p:childTnLst>
+                  <p:par>
+                    <p:cTn id="3" fill="hold">
+                      <p:stCondLst>
+                        <p:cond delay="indefinite"/>
+                      </p:stCondLst>
+                      <p:childTnLst>
+                        <p:par>
+                          <p:cTn id="4" fill="hold">
+                            <p:stCondLst>
+                              <p:cond delay="0"/>
+                            </p:stCondLst>
+                            <p:childTnLst>
+                              <p:par>
+                                <p:cTn id="5" presetID="1" presetClass="entr" presetSubtype="0" fill="hold" grpId="0" nodeType="clickEffect">
+                                  <p:stCondLst>
+                                    <p:cond delay="0"/>
+                                  </p:stCondLst>
+                                  <p:childTnLst>
+                                    <p:set>
+                                      <p:cBhvr>
+                                        <p:cTn id="6" dur="1" fill="hold">
+                                          <p:stCondLst>
+                                            <p:cond delay="0"/>
+                                          </p:stCondLst>
+                                        </p:cTn>
+                                        <p:tgtEl>
+                                          <p:spTgt spid="3"/>
+                                        </p:tgtEl>
+                                        <p:attrNameLst>
+                                          <p:attrName>style.visibility</p:attrName>
+                                        </p:attrNameLst>
+                                      </p:cBhvr>
+                                      <p:to>
+                                        <p:strVal val="visible"/>
+                                      </p:to>
+                                    </p:set>
+                                  </p:childTnLst>
+                                </p:cTn>
+                              </p:par>
+                            </p:childTnLst>
+                          </p:cTn>
+                        </p:par>
+                      </p:childTnLst>
+                    </p:cTn>
+                  </p:par>
+                  <p:par>
+                    <p:cTn id="7" fill="hold">
+                      <p:stCondLst>
+                        <p:cond delay="indefinite"/>
+                      </p:stCondLst>
+                      <p:childTnLst>
+                        <p:par>
+                          <p:cTn id="8" fill="hold">
+                            <p:stCondLst>
+                              <p:cond delay="0"/>
+                            </p:stCondLst>
+                            <p:childTnLst>
+                              <p:par>
+                                <p:cTn id="9" presetID="1" presetClass="entr" presetSubtype="0" fill="hold" grpId="0" nodeType="clickEffect">
+                                  <p:stCondLst>
+                                    <p:cond delay="0"/>
+                                  </p:stCondLst>
+                                  <p:childTnLst>
+                                    <p:set>
+                                      <p:cBhvr>
+                                        <p:cTn id="10" dur="1" fill="hold">
+                                          <p:stCondLst>
+                                            <p:cond delay="0"/>
+                                          </p:stCondLst>
+                                        </p:cTn>
+                                        <p:tgtEl>
+                                          <p:spTgt spid="4">
+                                            <p:txEl>
+                                              <p:pRg st="0" end="0"/>
+                                            </p:txEl>
+                                          </p:spTgt>
+                                        </p:tgtEl>
+                                        <p:attrNameLst>
+                                          <p:attrName>style.visibility</p:attrName>
+                                        </p:attrNameLst>
+                                      </p:cBhvr>
+                                      <p:to>
+                                        <p:strVal val="visible"/>
+                                      </p:to>
+                                    </p:set>
+                                  </p:childTnLst>
+                                </p:cTn>
+                              </p:par>
+                            </p:childTnLst>
+                          </p:cTn>
+                        </p:par>
+                      </p:childTnLst>
+                    </p:cTn>
+                  </p:par>
+                  <p:par>
+                    <p:cTn id="11" fill="hold">
+                      <p:stCondLst>
+                        <p:cond delay="indefinite"/>
+                      </p:stCondLst>
+                      <p:childTnLst>
+                        <p:par>
+                          <p:cTn id="12" fill="hold">
+                            <p:stCondLst>
+                              <p:cond delay="0"/>
+                            </p:stCondLst>
+                            <p:childTnLst>
+                              <p:par>
+                                <p:cTn id="13" presetID="1" presetClass="entr" presetSubtype="0" fill="hold" grpId="0" nodeType="clickEffect">
+                                  <p:stCondLst>
+                                    <p:cond delay="0"/>
+                                  </p:stCondLst>
+                                  <p:childTnLst>
+                                    <p:set>
+                                      <p:cBhvr>
+                                        <p:cTn id="14" dur="1" fill="hold">
+                                          <p:stCondLst>
+                                            <p:cond delay="0"/>
+                                          </p:stCondLst>
+                                        </p:cTn>
+                                        <p:tgtEl>
+                                          <p:spTgt spid="4">
+                                            <p:txEl>
+                                              <p:pRg st="1" end="1"/>
+                                            </p:txEl>
+                                          </p:spTgt>
+                                        </p:tgtEl>
+                                        <p:attrNameLst>
+                                          <p:attrName>style.visibility</p:attrName>
+                                        </p:attrNameLst>
+                                      </p:cBhvr>
+                                      <p:to>
+                                        <p:strVal val="visible"/>
+                                      </p:to>
+                                    </p:set>
+                                  </p:childTnLst>
+                                </p:cTn>
+                              </p:par>
+                            </p:childTnLst>
+                          </p:cTn>
+                        </p:par>
+                      </p:childTnLst>
+                    </p:cTn>
+                  </p:par>
+                  <p:par>
+                    <p:cTn id="15" fill="hold">
+                      <p:stCondLst>
+                        <p:cond delay="indefinite"/>
+                      </p:stCondLst>
+                      <p:childTnLst>
+                        <p:par>
+                          <p:cTn id="16" fill="hold">
+                            <p:stCondLst>
+                              <p:cond delay="0"/>
+                            </p:stCondLst>
+                            <p:childTnLst>
+                              <p:par>
+                                <p:cTn id="17" presetID="1" presetClass="entr" presetSubtype="0" fill="hold" grpId="0" nodeType="clickEffect">
+                                  <p:stCondLst>
+                                    <p:cond delay="0"/>
+                                  </p:stCondLst>
+                                  <p:childTnLst>
+                                    <p:set>
+                                      <p:cBhvr>
+                                        <p:cTn id="18" dur="1" fill="hold">
+                                          <p:stCondLst>
+                                            <p:cond delay="0"/>
+                                          </p:stCondLst>
+                                        </p:cTn>
+                                        <p:tgtEl>
+                                          <p:spTgt spid="4">
+                                            <p:txEl>
+                                              <p:pRg st="2" end="2"/>
+                                            </p:txEl>
+                                          </p:spTgt>
+                                        </p:tgtEl>
+                                        <p:attrNameLst>
+                                          <p:attrName>style.visibility</p:attrName>
+                                        </p:attrNameLst>
+                                      </p:cBhvr>
+                                      <p:to>
+                                        <p:strVal val="visible"/>
+                                      </p:to>
+                                    </p:set>
+                                  </p:childTnLst>
+                                </p:cTn>
+                              </p:par>
+                            </p:childTnLst>
+                          </p:cTn>
+                        </p:par>
+                      </p:childTnLst>
+                    </p:cTn>
+                  </p:par>
+                </p:childTnLst>
+              </p:cTn>
+              <p:prevCondLst>
+                <p:cond evt="onPrev" delay="0">
+                  <p:tgtEl>
+                    <p:sldTgt/>
+                  </p:tgtEl>
+                </p:cond>
+              </p:prevCondLst>
+              <p:nextCondLst>
+                <p:cond evt="onNext" delay="0">
+                  <p:tgtEl>
+                    <p:sldTgt/>
+                  </p:tgtEl>
+                </p:cond>
+              </p:nextCondLst>
+            </p:seq>
+          </p:childTnLst>
+        </p:cTn>
+      </p:par>
+    </p:tnLst>
+    <p:bldLst>
+      <p:bldP spid="4" grpId="0" build="p"/>
+      <p:bldP spid="3" grpId="0" animBg="1"/>
+    </p:bldLst>
+  </p:timing>
+</p:sld>
+</file>
+
+<file path=ppt/slides/slide30.xml><?xml version="1.0" encoding="utf-8"?>
 <p:sld xmlns:a="http://schemas.openxmlformats.org/drawingml/2006/main" xmlns:r="http://schemas.openxmlformats.org/officeDocument/2006/relationships" xmlns:p="http://schemas.openxmlformats.org/presentationml/2006/main">
   <p:cSld>
     <p:spTree>
@@ -14309,7 +15062,7 @@
 </p:sld>
 </file>
 
-<file path=ppt/slides/slide27.xml><?xml version="1.0" encoding="utf-8"?>
+<file path=ppt/slides/slide31.xml><?xml version="1.0" encoding="utf-8"?>
 <p:sld xmlns:a="http://schemas.openxmlformats.org/drawingml/2006/main" xmlns:r="http://schemas.openxmlformats.org/officeDocument/2006/relationships" xmlns:p="http://schemas.openxmlformats.org/presentationml/2006/main">
   <p:cSld>
     <p:spTree>
@@ -14574,7 +15327,7 @@
 </p:sld>
 </file>
 
-<file path=ppt/slides/slide28.xml><?xml version="1.0" encoding="utf-8"?>
+<file path=ppt/slides/slide32.xml><?xml version="1.0" encoding="utf-8"?>
 <p:sld xmlns:a="http://schemas.openxmlformats.org/drawingml/2006/main" xmlns:r="http://schemas.openxmlformats.org/officeDocument/2006/relationships" xmlns:p="http://schemas.openxmlformats.org/presentationml/2006/main">
   <p:cSld>
     <p:spTree>
@@ -14687,7 +15440,7 @@
 </p:sld>
 </file>
 
-<file path=ppt/slides/slide29.xml><?xml version="1.0" encoding="utf-8"?>
+<file path=ppt/slides/slide33.xml><?xml version="1.0" encoding="utf-8"?>
 <p:sld xmlns:a="http://schemas.openxmlformats.org/drawingml/2006/main" xmlns:r="http://schemas.openxmlformats.org/officeDocument/2006/relationships" xmlns:p="http://schemas.openxmlformats.org/presentationml/2006/main">
   <p:cSld>
     <p:spTree>
@@ -14732,479 +15485,6 @@
 </p:sld>
 </file>
 
-<file path=ppt/slides/slide3.xml><?xml version="1.0" encoding="utf-8"?>
-<p:sld xmlns:a="http://schemas.openxmlformats.org/drawingml/2006/main" xmlns:r="http://schemas.openxmlformats.org/officeDocument/2006/relationships" xmlns:p="http://schemas.openxmlformats.org/presentationml/2006/main">
-  <p:cSld>
-    <p:spTree>
-      <p:nvGrpSpPr>
-        <p:cNvPr id="1" name=""/>
-        <p:cNvGrpSpPr/>
-        <p:nvPr/>
-      </p:nvGrpSpPr>
-      <p:grpSpPr>
-        <a:xfrm>
-          <a:off x="0" y="0"/>
-          <a:ext cx="0" cy="0"/>
-          <a:chOff x="0" y="0"/>
-          <a:chExt cx="0" cy="0"/>
-        </a:xfrm>
-      </p:grpSpPr>
-      <p:sp>
-        <p:nvSpPr>
-          <p:cNvPr id="2" name="Title 1"/>
-          <p:cNvSpPr>
-            <a:spLocks noGrp="1"/>
-          </p:cNvSpPr>
-          <p:nvPr>
-            <p:ph type="title"/>
-          </p:nvPr>
-        </p:nvSpPr>
-        <p:spPr/>
-        <p:txBody>
-          <a:bodyPr/>
-          <a:lstStyle/>
-          <a:p>
-            <a:r>
-              <a:rPr lang="en-CA" dirty="0" smtClean="0"/>
-              <a:t>How can we ask a user for information?</a:t>
-            </a:r>
-            <a:endParaRPr lang="en-US" dirty="0"/>
-          </a:p>
-        </p:txBody>
-      </p:sp>
-      <p:sp>
-        <p:nvSpPr>
-          <p:cNvPr id="4" name="Content Placeholder 3"/>
-          <p:cNvSpPr>
-            <a:spLocks noGrp="1"/>
-          </p:cNvSpPr>
-          <p:nvPr>
-            <p:ph sz="quarter" idx="10"/>
-          </p:nvPr>
-        </p:nvSpPr>
-        <p:spPr>
-          <a:xfrm>
-            <a:off x="838200" y="3790942"/>
-            <a:ext cx="10515600" cy="2800358"/>
-          </a:xfrm>
-        </p:spPr>
-        <p:txBody>
-          <a:bodyPr>
-            <a:normAutofit fontScale="92500"/>
-          </a:bodyPr>
-          <a:lstStyle/>
-          <a:p>
-            <a:pPr marL="0" indent="0">
-              <a:buNone/>
-            </a:pPr>
-            <a:r>
-              <a:rPr lang="en-CA" dirty="0" smtClean="0"/>
-              <a:t>The </a:t>
-            </a:r>
-            <a:r>
-              <a:rPr lang="en-CA" b="1" dirty="0" smtClean="0"/>
-              <a:t>input</a:t>
-            </a:r>
-            <a:r>
-              <a:rPr lang="en-CA" dirty="0" smtClean="0"/>
-              <a:t> function allows you to specify a message to display and returns the value typed in by the user.</a:t>
-            </a:r>
-          </a:p>
-          <a:p>
-            <a:pPr marL="0" indent="0">
-              <a:buNone/>
-            </a:pPr>
-            <a:r>
-              <a:rPr lang="en-CA" dirty="0" smtClean="0"/>
-              <a:t>We use a variable to remember the value entered by the user.</a:t>
-            </a:r>
-          </a:p>
-          <a:p>
-            <a:pPr marL="0" indent="0">
-              <a:buNone/>
-            </a:pPr>
-            <a:r>
-              <a:rPr lang="en-CA" dirty="0" smtClean="0"/>
-              <a:t>We called our variable “name” but you can call it just about anything as long the variable name doesn’t contain spaces</a:t>
-            </a:r>
-            <a:endParaRPr lang="en-CA" dirty="0"/>
-          </a:p>
-        </p:txBody>
-      </p:sp>
-      <p:sp>
-        <p:nvSpPr>
-          <p:cNvPr id="3" name="Rectangle 1"/>
-          <p:cNvSpPr>
-            <a:spLocks noChangeArrowheads="1"/>
-          </p:cNvSpPr>
-          <p:nvPr/>
-        </p:nvSpPr>
-        <p:spPr bwMode="auto">
-          <a:xfrm>
-            <a:off x="838200" y="2345855"/>
-            <a:ext cx="7479933" cy="523220"/>
-          </a:xfrm>
-          <a:prstGeom prst="rect">
-            <a:avLst/>
-          </a:prstGeom>
-          <a:solidFill>
-            <a:srgbClr val="FFFFFF"/>
-          </a:solidFill>
-          <a:ln>
-            <a:noFill/>
-          </a:ln>
-          <a:effectLst/>
-          <a:extLst>
-            <a:ext uri="{91240B29-F687-4F45-9708-019B960494DF}">
-              <a14:hiddenLine xmlns:a14="http://schemas.microsoft.com/office/drawing/2010/main" w="9525">
-                <a:solidFill>
-                  <a:schemeClr val="tx1"/>
-                </a:solidFill>
-                <a:miter lim="800000"/>
-                <a:headEnd/>
-                <a:tailEnd/>
-              </a14:hiddenLine>
-            </a:ext>
-            <a:ext uri="{AF507438-7753-43E0-B8FC-AC1667EBCBE1}">
-              <a14:hiddenEffects xmlns:a14="http://schemas.microsoft.com/office/drawing/2010/main">
-                <a:effectLst>
-                  <a:outerShdw dist="35921" dir="2700000" algn="ctr" rotWithShape="0">
-                    <a:schemeClr val="bg2"/>
-                  </a:outerShdw>
-                </a:effectLst>
-              </a14:hiddenEffects>
-            </a:ext>
-          </a:extLst>
-        </p:spPr>
-        <p:txBody>
-          <a:bodyPr vert="horz" wrap="none" lIns="91440" tIns="45720" rIns="91440" bIns="45720" numCol="1" anchor="ctr" anchorCtr="0" compatLnSpc="1">
-            <a:prstTxWarp prst="textNoShape">
-              <a:avLst/>
-            </a:prstTxWarp>
-            <a:spAutoFit/>
-          </a:bodyPr>
-          <a:lstStyle/>
-          <a:p>
-            <a:pPr marL="0" marR="0" lvl="0" indent="0" algn="l" defTabSz="914400" rtl="0" eaLnBrk="0" fontAlgn="base" latinLnBrk="0" hangingPunct="0">
-              <a:lnSpc>
-                <a:spcPct val="100000"/>
-              </a:lnSpc>
-              <a:spcBef>
-                <a:spcPct val="0"/>
-              </a:spcBef>
-              <a:spcAft>
-                <a:spcPct val="0"/>
-              </a:spcAft>
-              <a:buClrTx/>
-              <a:buSzTx/>
-              <a:buFontTx/>
-              <a:buNone/>
-              <a:tabLst/>
-            </a:pPr>
-            <a:r>
-              <a:rPr lang="en-US" altLang="en-US" sz="2800" dirty="0" smtClean="0">
-                <a:solidFill>
-                  <a:srgbClr val="000000"/>
-                </a:solidFill>
-                <a:latin typeface="Consolas" panose="020B0609020204030204" pitchFamily="49" charset="0"/>
-                <a:cs typeface="Consolas" panose="020B0609020204030204" pitchFamily="49" charset="0"/>
-              </a:rPr>
-              <a:t>n</a:t>
-            </a:r>
-            <a:r>
-              <a:rPr kumimoji="0" lang="en-US" altLang="en-US" sz="2800" b="0" i="0" u="none" strike="noStrike" cap="none" normalizeH="0" baseline="0" dirty="0" smtClean="0">
-                <a:ln>
-                  <a:noFill/>
-                </a:ln>
-                <a:solidFill>
-                  <a:srgbClr val="000000"/>
-                </a:solidFill>
-                <a:effectLst/>
-                <a:latin typeface="Consolas" panose="020B0609020204030204" pitchFamily="49" charset="0"/>
-                <a:cs typeface="Consolas" panose="020B0609020204030204" pitchFamily="49" charset="0"/>
-              </a:rPr>
-              <a:t>ame = input(</a:t>
-            </a:r>
-            <a:r>
-              <a:rPr kumimoji="0" lang="en-US" altLang="en-US" sz="2800" b="0" i="0" u="none" strike="noStrike" cap="none" normalizeH="0" baseline="0" dirty="0" smtClean="0">
-                <a:ln>
-                  <a:noFill/>
-                </a:ln>
-                <a:solidFill>
-                  <a:srgbClr val="A31515"/>
-                </a:solidFill>
-                <a:effectLst/>
-                <a:latin typeface="Consolas" panose="020B0609020204030204" pitchFamily="49" charset="0"/>
-                <a:cs typeface="Consolas" panose="020B0609020204030204" pitchFamily="49" charset="0"/>
-              </a:rPr>
-              <a:t>"What is your name? "</a:t>
-            </a:r>
-            <a:r>
-              <a:rPr kumimoji="0" lang="en-US" altLang="en-US" sz="2800" b="0" i="0" u="none" strike="noStrike" cap="none" normalizeH="0" baseline="0" dirty="0" smtClean="0">
-                <a:ln>
-                  <a:noFill/>
-                </a:ln>
-                <a:solidFill>
-                  <a:srgbClr val="000000"/>
-                </a:solidFill>
-                <a:effectLst/>
-                <a:latin typeface="Consolas" panose="020B0609020204030204" pitchFamily="49" charset="0"/>
-                <a:cs typeface="Consolas" panose="020B0609020204030204" pitchFamily="49" charset="0"/>
-              </a:rPr>
-              <a:t>) </a:t>
-            </a:r>
-            <a:endParaRPr kumimoji="0" lang="en-US" altLang="en-US" sz="2800" b="0" i="0" u="none" strike="noStrike" cap="none" normalizeH="0" baseline="0" dirty="0" smtClean="0">
-              <a:ln>
-                <a:noFill/>
-              </a:ln>
-              <a:solidFill>
-                <a:schemeClr val="tx1"/>
-              </a:solidFill>
-              <a:effectLst/>
-              <a:latin typeface="Arial" panose="020B0604020202020204" pitchFamily="34" charset="0"/>
-            </a:endParaRPr>
-          </a:p>
-        </p:txBody>
-      </p:sp>
-    </p:spTree>
-    <p:extLst>
-      <p:ext uri="{BB962C8B-B14F-4D97-AF65-F5344CB8AC3E}">
-        <p14:creationId xmlns:p14="http://schemas.microsoft.com/office/powerpoint/2010/main" val="3290481780"/>
-      </p:ext>
-    </p:extLst>
-  </p:cSld>
-  <p:clrMapOvr>
-    <a:masterClrMapping/>
-  </p:clrMapOvr>
-  <p:timing>
-    <p:tnLst>
-      <p:par>
-        <p:cTn id="1" dur="indefinite" restart="never" nodeType="tmRoot">
-          <p:childTnLst>
-            <p:seq concurrent="1" nextAc="seek">
-              <p:cTn id="2" dur="indefinite" nodeType="mainSeq">
-                <p:childTnLst>
-                  <p:par>
-                    <p:cTn id="3" fill="hold">
-                      <p:stCondLst>
-                        <p:cond delay="indefinite"/>
-                      </p:stCondLst>
-                      <p:childTnLst>
-                        <p:par>
-                          <p:cTn id="4" fill="hold">
-                            <p:stCondLst>
-                              <p:cond delay="0"/>
-                            </p:stCondLst>
-                            <p:childTnLst>
-                              <p:par>
-                                <p:cTn id="5" presetID="1" presetClass="entr" presetSubtype="0" fill="hold" grpId="0" nodeType="clickEffect">
-                                  <p:stCondLst>
-                                    <p:cond delay="0"/>
-                                  </p:stCondLst>
-                                  <p:childTnLst>
-                                    <p:set>
-                                      <p:cBhvr>
-                                        <p:cTn id="6" dur="1" fill="hold">
-                                          <p:stCondLst>
-                                            <p:cond delay="0"/>
-                                          </p:stCondLst>
-                                        </p:cTn>
-                                        <p:tgtEl>
-                                          <p:spTgt spid="3"/>
-                                        </p:tgtEl>
-                                        <p:attrNameLst>
-                                          <p:attrName>style.visibility</p:attrName>
-                                        </p:attrNameLst>
-                                      </p:cBhvr>
-                                      <p:to>
-                                        <p:strVal val="visible"/>
-                                      </p:to>
-                                    </p:set>
-                                  </p:childTnLst>
-                                </p:cTn>
-                              </p:par>
-                            </p:childTnLst>
-                          </p:cTn>
-                        </p:par>
-                      </p:childTnLst>
-                    </p:cTn>
-                  </p:par>
-                  <p:par>
-                    <p:cTn id="7" fill="hold">
-                      <p:stCondLst>
-                        <p:cond delay="indefinite"/>
-                      </p:stCondLst>
-                      <p:childTnLst>
-                        <p:par>
-                          <p:cTn id="8" fill="hold">
-                            <p:stCondLst>
-                              <p:cond delay="0"/>
-                            </p:stCondLst>
-                            <p:childTnLst>
-                              <p:par>
-                                <p:cTn id="9" presetID="1" presetClass="entr" presetSubtype="0" fill="hold" grpId="0" nodeType="clickEffect">
-                                  <p:stCondLst>
-                                    <p:cond delay="0"/>
-                                  </p:stCondLst>
-                                  <p:childTnLst>
-                                    <p:set>
-                                      <p:cBhvr>
-                                        <p:cTn id="10" dur="1" fill="hold">
-                                          <p:stCondLst>
-                                            <p:cond delay="0"/>
-                                          </p:stCondLst>
-                                        </p:cTn>
-                                        <p:tgtEl>
-                                          <p:spTgt spid="4">
-                                            <p:txEl>
-                                              <p:pRg st="0" end="0"/>
-                                            </p:txEl>
-                                          </p:spTgt>
-                                        </p:tgtEl>
-                                        <p:attrNameLst>
-                                          <p:attrName>style.visibility</p:attrName>
-                                        </p:attrNameLst>
-                                      </p:cBhvr>
-                                      <p:to>
-                                        <p:strVal val="visible"/>
-                                      </p:to>
-                                    </p:set>
-                                  </p:childTnLst>
-                                </p:cTn>
-                              </p:par>
-                            </p:childTnLst>
-                          </p:cTn>
-                        </p:par>
-                      </p:childTnLst>
-                    </p:cTn>
-                  </p:par>
-                  <p:par>
-                    <p:cTn id="11" fill="hold">
-                      <p:stCondLst>
-                        <p:cond delay="indefinite"/>
-                      </p:stCondLst>
-                      <p:childTnLst>
-                        <p:par>
-                          <p:cTn id="12" fill="hold">
-                            <p:stCondLst>
-                              <p:cond delay="0"/>
-                            </p:stCondLst>
-                            <p:childTnLst>
-                              <p:par>
-                                <p:cTn id="13" presetID="1" presetClass="entr" presetSubtype="0" fill="hold" grpId="0" nodeType="clickEffect">
-                                  <p:stCondLst>
-                                    <p:cond delay="0"/>
-                                  </p:stCondLst>
-                                  <p:childTnLst>
-                                    <p:set>
-                                      <p:cBhvr>
-                                        <p:cTn id="14" dur="1" fill="hold">
-                                          <p:stCondLst>
-                                            <p:cond delay="0"/>
-                                          </p:stCondLst>
-                                        </p:cTn>
-                                        <p:tgtEl>
-                                          <p:spTgt spid="4">
-                                            <p:txEl>
-                                              <p:pRg st="1" end="1"/>
-                                            </p:txEl>
-                                          </p:spTgt>
-                                        </p:tgtEl>
-                                        <p:attrNameLst>
-                                          <p:attrName>style.visibility</p:attrName>
-                                        </p:attrNameLst>
-                                      </p:cBhvr>
-                                      <p:to>
-                                        <p:strVal val="visible"/>
-                                      </p:to>
-                                    </p:set>
-                                  </p:childTnLst>
-                                </p:cTn>
-                              </p:par>
-                            </p:childTnLst>
-                          </p:cTn>
-                        </p:par>
-                      </p:childTnLst>
-                    </p:cTn>
-                  </p:par>
-                  <p:par>
-                    <p:cTn id="15" fill="hold">
-                      <p:stCondLst>
-                        <p:cond delay="indefinite"/>
-                      </p:stCondLst>
-                      <p:childTnLst>
-                        <p:par>
-                          <p:cTn id="16" fill="hold">
-                            <p:stCondLst>
-                              <p:cond delay="0"/>
-                            </p:stCondLst>
-                            <p:childTnLst>
-                              <p:par>
-                                <p:cTn id="17" presetID="1" presetClass="entr" presetSubtype="0" fill="hold" grpId="0" nodeType="clickEffect">
-                                  <p:stCondLst>
-                                    <p:cond delay="0"/>
-                                  </p:stCondLst>
-                                  <p:childTnLst>
-                                    <p:set>
-                                      <p:cBhvr>
-                                        <p:cTn id="18" dur="1" fill="hold">
-                                          <p:stCondLst>
-                                            <p:cond delay="0"/>
-                                          </p:stCondLst>
-                                        </p:cTn>
-                                        <p:tgtEl>
-                                          <p:spTgt spid="4">
-                                            <p:txEl>
-                                              <p:pRg st="2" end="2"/>
-                                            </p:txEl>
-                                          </p:spTgt>
-                                        </p:tgtEl>
-                                        <p:attrNameLst>
-                                          <p:attrName>style.visibility</p:attrName>
-                                        </p:attrNameLst>
-                                      </p:cBhvr>
-                                      <p:to>
-                                        <p:strVal val="visible"/>
-                                      </p:to>
-                                    </p:set>
-                                  </p:childTnLst>
-                                </p:cTn>
-                              </p:par>
-                            </p:childTnLst>
-                          </p:cTn>
-                        </p:par>
-                      </p:childTnLst>
-                    </p:cTn>
-                  </p:par>
-                </p:childTnLst>
-              </p:cTn>
-              <p:prevCondLst>
-                <p:cond evt="onPrev" delay="0">
-                  <p:tgtEl>
-                    <p:sldTgt/>
-                  </p:tgtEl>
-                </p:cond>
-              </p:prevCondLst>
-              <p:nextCondLst>
-                <p:cond evt="onNext" delay="0">
-                  <p:tgtEl>
-                    <p:sldTgt/>
-                  </p:tgtEl>
-                </p:cond>
-              </p:nextCondLst>
-            </p:seq>
-          </p:childTnLst>
-        </p:cTn>
-      </p:par>
-    </p:tnLst>
-    <p:bldLst>
-      <p:bldP spid="4" grpId="0" build="p"/>
-      <p:bldP spid="3" grpId="0" animBg="1"/>
-    </p:bldLst>
-  </p:timing>
-</p:sld>
-</file>
-
 <file path=ppt/slides/slide4.xml><?xml version="1.0" encoding="utf-8"?>
 <p:sld xmlns:a="http://schemas.openxmlformats.org/drawingml/2006/main" xmlns:r="http://schemas.openxmlformats.org/officeDocument/2006/relationships" xmlns:p="http://schemas.openxmlformats.org/presentationml/2006/main">
   <p:cSld>
@@ -15284,6 +15564,78 @@
       </p:grpSpPr>
       <p:sp>
         <p:nvSpPr>
+          <p:cNvPr id="4" name="Text Placeholder 3"/>
+          <p:cNvSpPr>
+            <a:spLocks noGrp="1"/>
+          </p:cNvSpPr>
+          <p:nvPr>
+            <p:ph type="body" sz="quarter" idx="10"/>
+          </p:nvPr>
+        </p:nvSpPr>
+        <p:spPr/>
+        <p:txBody>
+          <a:bodyPr/>
+          <a:lstStyle/>
+          <a:p>
+            <a:r>
+              <a:rPr lang="en-US" dirty="0" smtClean="0"/>
+              <a:t>Where do we store values?</a:t>
+            </a:r>
+            <a:endParaRPr lang="en-US" dirty="0"/>
+          </a:p>
+        </p:txBody>
+      </p:sp>
+      <p:sp>
+        <p:nvSpPr>
+          <p:cNvPr id="3" name="Subtitle 2"/>
+          <p:cNvSpPr>
+            <a:spLocks noGrp="1"/>
+          </p:cNvSpPr>
+          <p:nvPr>
+            <p:ph type="subTitle" idx="1"/>
+          </p:nvPr>
+        </p:nvSpPr>
+        <p:spPr/>
+        <p:txBody>
+          <a:bodyPr/>
+          <a:lstStyle/>
+          <a:p>
+            <a:endParaRPr lang="en-US"/>
+          </a:p>
+        </p:txBody>
+      </p:sp>
+    </p:spTree>
+    <p:extLst>
+      <p:ext uri="{BB962C8B-B14F-4D97-AF65-F5344CB8AC3E}">
+        <p14:creationId xmlns:p14="http://schemas.microsoft.com/office/powerpoint/2010/main" val="3702343061"/>
+      </p:ext>
+    </p:extLst>
+  </p:cSld>
+  <p:clrMapOvr>
+    <a:masterClrMapping/>
+  </p:clrMapOvr>
+</p:sld>
+</file>
+
+<file path=ppt/slides/slide6.xml><?xml version="1.0" encoding="utf-8"?>
+<p:sld xmlns:a="http://schemas.openxmlformats.org/drawingml/2006/main" xmlns:r="http://schemas.openxmlformats.org/officeDocument/2006/relationships" xmlns:p="http://schemas.openxmlformats.org/presentationml/2006/main">
+  <p:cSld>
+    <p:spTree>
+      <p:nvGrpSpPr>
+        <p:cNvPr id="1" name=""/>
+        <p:cNvGrpSpPr/>
+        <p:nvPr/>
+      </p:nvGrpSpPr>
+      <p:grpSpPr>
+        <a:xfrm>
+          <a:off x="0" y="0"/>
+          <a:ext cx="0" cy="0"/>
+          <a:chOff x="0" y="0"/>
+          <a:chExt cx="0" cy="0"/>
+        </a:xfrm>
+      </p:grpSpPr>
+      <p:sp>
+        <p:nvSpPr>
           <p:cNvPr id="2" name="Title 1"/>
           <p:cNvSpPr>
             <a:spLocks noGrp="1"/>
@@ -15415,7 +15767,7 @@
 </p:sld>
 </file>
 
-<file path=ppt/slides/slide6.xml><?xml version="1.0" encoding="utf-8"?>
+<file path=ppt/slides/slide7.xml><?xml version="1.0" encoding="utf-8"?>
 <p:sld xmlns:a="http://schemas.openxmlformats.org/drawingml/2006/main" xmlns:r="http://schemas.openxmlformats.org/officeDocument/2006/relationships" xmlns:p="http://schemas.openxmlformats.org/presentationml/2006/main">
   <p:cSld>
     <p:spTree>
@@ -15741,7 +16093,7 @@
 </p:sld>
 </file>
 
-<file path=ppt/slides/slide7.xml><?xml version="1.0" encoding="utf-8"?>
+<file path=ppt/slides/slide8.xml><?xml version="1.0" encoding="utf-8"?>
 <p:sld xmlns:a="http://schemas.openxmlformats.org/drawingml/2006/main" xmlns:r="http://schemas.openxmlformats.org/officeDocument/2006/relationships" xmlns:p="http://schemas.openxmlformats.org/presentationml/2006/main">
   <p:cSld>
     <p:spTree>
@@ -16090,7 +16442,7 @@
 </p:sld>
 </file>
 
-<file path=ppt/slides/slide8.xml><?xml version="1.0" encoding="utf-8"?>
+<file path=ppt/slides/slide9.xml><?xml version="1.0" encoding="utf-8"?>
 <p:sld xmlns:a="http://schemas.openxmlformats.org/drawingml/2006/main" xmlns:r="http://schemas.openxmlformats.org/officeDocument/2006/relationships" xmlns:p="http://schemas.openxmlformats.org/presentationml/2006/main">
   <p:cSld>
     <p:spTree>
@@ -16573,66 +16925,6 @@
             </p:seq>
           </p:childTnLst>
         </p:cTn>
-      </p:par>
-    </p:tnLst>
-  </p:timing>
-</p:sld>
-</file>
-
-<file path=ppt/slides/slide9.xml><?xml version="1.0" encoding="utf-8"?>
-<p:sld xmlns:a="http://schemas.openxmlformats.org/drawingml/2006/main" xmlns:r="http://schemas.openxmlformats.org/officeDocument/2006/relationships" xmlns:p="http://schemas.openxmlformats.org/presentationml/2006/main">
-  <p:cSld>
-    <p:spTree>
-      <p:nvGrpSpPr>
-        <p:cNvPr id="1" name=""/>
-        <p:cNvGrpSpPr/>
-        <p:nvPr/>
-      </p:nvGrpSpPr>
-      <p:grpSpPr>
-        <a:xfrm>
-          <a:off x="0" y="0"/>
-          <a:ext cx="0" cy="0"/>
-          <a:chOff x="0" y="0"/>
-          <a:chExt cx="0" cy="0"/>
-        </a:xfrm>
-      </p:grpSpPr>
-      <p:sp>
-        <p:nvSpPr>
-          <p:cNvPr id="4" name="Title 3"/>
-          <p:cNvSpPr>
-            <a:spLocks noGrp="1"/>
-          </p:cNvSpPr>
-          <p:nvPr>
-            <p:ph type="title"/>
-          </p:nvPr>
-        </p:nvSpPr>
-        <p:spPr/>
-        <p:txBody>
-          <a:bodyPr/>
-          <a:lstStyle/>
-          <a:p>
-            <a:r>
-              <a:rPr lang="en-CA" dirty="0" smtClean="0"/>
-              <a:t>Accessing a value entered by a user</a:t>
-            </a:r>
-            <a:endParaRPr lang="en-US" dirty="0"/>
-          </a:p>
-        </p:txBody>
-      </p:sp>
-    </p:spTree>
-    <p:extLst>
-      <p:ext uri="{BB962C8B-B14F-4D97-AF65-F5344CB8AC3E}">
-        <p14:creationId xmlns:p14="http://schemas.microsoft.com/office/powerpoint/2010/main" val="1063271656"/>
-      </p:ext>
-    </p:extLst>
-  </p:cSld>
-  <p:clrMapOvr>
-    <a:masterClrMapping/>
-  </p:clrMapOvr>
-  <p:timing>
-    <p:tnLst>
-      <p:par>
-        <p:cTn id="1" dur="indefinite" restart="never" nodeType="tmRoot"/>
       </p:par>
     </p:tnLst>
   </p:timing>
